--- a/Idea/Smart Agriculture.pptx
+++ b/Idea/Smart Agriculture.pptx
@@ -6,7 +6,7 @@
     <p:sldMasterId id="2147483674" r:id="rId2"/>
   </p:sldMasterIdLst>
   <p:notesMasterIdLst>
-    <p:notesMasterId r:id="rId12"/>
+    <p:notesMasterId r:id="rId15"/>
   </p:notesMasterIdLst>
   <p:sldIdLst>
     <p:sldId id="265" r:id="rId3"/>
@@ -15,24 +15,27 @@
     <p:sldId id="259" r:id="rId6"/>
     <p:sldId id="260" r:id="rId7"/>
     <p:sldId id="261" r:id="rId8"/>
-    <p:sldId id="262" r:id="rId9"/>
-    <p:sldId id="263" r:id="rId10"/>
-    <p:sldId id="264" r:id="rId11"/>
+    <p:sldId id="267" r:id="rId9"/>
+    <p:sldId id="262" r:id="rId10"/>
+    <p:sldId id="269" r:id="rId11"/>
+    <p:sldId id="270" r:id="rId12"/>
+    <p:sldId id="263" r:id="rId13"/>
+    <p:sldId id="264" r:id="rId14"/>
   </p:sldIdLst>
   <p:sldSz cx="9144000" cy="5143500" type="screen16x9"/>
   <p:notesSz cx="6858000" cy="9144000"/>
   <p:embeddedFontLst>
     <p:embeddedFont>
       <p:font typeface="Lato" panose="020F0502020204030203" pitchFamily="34" charset="0"/>
-      <p:regular r:id="rId13"/>
-      <p:bold r:id="rId14"/>
-      <p:italic r:id="rId15"/>
-      <p:boldItalic r:id="rId16"/>
+      <p:regular r:id="rId16"/>
+      <p:bold r:id="rId17"/>
+      <p:italic r:id="rId18"/>
+      <p:boldItalic r:id="rId19"/>
     </p:embeddedFont>
     <p:embeddedFont>
       <p:font typeface="Lato Black" panose="020F0502020204030203" pitchFamily="34" charset="0"/>
-      <p:bold r:id="rId17"/>
-      <p:boldItalic r:id="rId18"/>
+      <p:bold r:id="rId20"/>
+      <p:boldItalic r:id="rId21"/>
     </p:embeddedFont>
   </p:embeddedFontLst>
   <p:defaultTextStyle>
@@ -265,8 +268,11 @@
     </a:lvl9pPr>
   </p:defaultTextStyle>
   <p:extLst>
+    <p:ext uri="{EFAFB233-063F-42B5-8137-9DF3F51BA10A}">
+      <p15:sldGuideLst xmlns:p15="http://schemas.microsoft.com/office/powerpoint/2012/main"/>
+    </p:ext>
     <p:ext uri="http://customooxmlschemas.google.com/">
-      <go:slidesCustomData xmlns:go="http://customooxmlschemas.google.com/" xmlns:ahyp="http://schemas.microsoft.com/office/drawing/2018/hyperlinkcolor" xmlns:p15="http://schemas.microsoft.com/office/powerpoint/2012/main" xmlns:p14="http://schemas.microsoft.com/office/powerpoint/2010/main" xmlns:com="http://schemas.openxmlformats.org/drawingml/2006/compatibility" xmlns:pvml="urn:schemas-microsoft-com:office:powerpoint" xmlns:v="urn:schemas-microsoft-com:vml" xmlns:o="urn:schemas-microsoft-com:office:office" xmlns:dgm="http://schemas.openxmlformats.org/drawingml/2006/diagram" xmlns:c="http://schemas.openxmlformats.org/drawingml/2006/chart" xmlns:mv="urn:schemas-microsoft-com:mac:vml" xmlns:mc="http://schemas.openxmlformats.org/markup-compatibility/2006" xmlns="" r:id="rId23" roundtripDataSignature="AMtx7mg4ID0MW+58A5oAZz0iuzSAYbU9/A=="/>
+      <go:slidesCustomData xmlns="" xmlns:mc="http://schemas.openxmlformats.org/markup-compatibility/2006" xmlns:mv="urn:schemas-microsoft-com:mac:vml" xmlns:c="http://schemas.openxmlformats.org/drawingml/2006/chart" xmlns:dgm="http://schemas.openxmlformats.org/drawingml/2006/diagram" xmlns:o="urn:schemas-microsoft-com:office:office" xmlns:v="urn:schemas-microsoft-com:vml" xmlns:pvml="urn:schemas-microsoft-com:office:powerpoint" xmlns:com="http://schemas.openxmlformats.org/drawingml/2006/compatibility" xmlns:p14="http://schemas.microsoft.com/office/powerpoint/2010/main" xmlns:p15="http://schemas.microsoft.com/office/powerpoint/2012/main" xmlns:ahyp="http://schemas.microsoft.com/office/drawing/2018/hyperlinkcolor" xmlns:go="http://customooxmlschemas.google.com/" r:id="rId23" roundtripDataSignature="AMtx7mg4ID0MW+58A5oAZz0iuzSAYbU9/A=="/>
     </p:ext>
   </p:extLst>
 </p:presentation>
@@ -978,6 +984,377 @@
 </p:notes>
 </file>
 
+<file path=ppt/notesSlides/notesSlide10.xml><?xml version="1.0" encoding="utf-8"?>
+<p:notes xmlns:a="http://schemas.openxmlformats.org/drawingml/2006/main" xmlns:r="http://schemas.openxmlformats.org/officeDocument/2006/relationships" xmlns:p="http://schemas.openxmlformats.org/presentationml/2006/main" showMasterSp="0" showMasterPhAnim="0">
+  <p:cSld>
+    <p:spTree>
+      <p:nvGrpSpPr>
+        <p:cNvPr id="1" name="Shape 373"/>
+        <p:cNvGrpSpPr/>
+        <p:nvPr/>
+      </p:nvGrpSpPr>
+      <p:grpSpPr>
+        <a:xfrm>
+          <a:off x="0" y="0"/>
+          <a:ext cx="0" cy="0"/>
+          <a:chOff x="0" y="0"/>
+          <a:chExt cx="0" cy="0"/>
+        </a:xfrm>
+      </p:grpSpPr>
+      <p:sp>
+        <p:nvSpPr>
+          <p:cNvPr id="374" name="Google Shape;374;p7:notes"/>
+          <p:cNvSpPr>
+            <a:spLocks noGrp="1" noRot="1" noChangeAspect="1"/>
+          </p:cNvSpPr>
+          <p:nvPr>
+            <p:ph type="sldImg" idx="2"/>
+          </p:nvPr>
+        </p:nvSpPr>
+        <p:spPr>
+          <a:xfrm>
+            <a:off x="381000" y="685800"/>
+            <a:ext cx="6096000" cy="3429000"/>
+          </a:xfrm>
+          <a:custGeom>
+            <a:avLst/>
+            <a:gdLst/>
+            <a:ahLst/>
+            <a:cxnLst/>
+            <a:rect l="l" t="t" r="r" b="b"/>
+            <a:pathLst>
+              <a:path w="120000" h="120000" extrusionOk="0">
+                <a:moveTo>
+                  <a:pt x="0" y="0"/>
+                </a:moveTo>
+                <a:lnTo>
+                  <a:pt x="120000" y="0"/>
+                </a:lnTo>
+                <a:lnTo>
+                  <a:pt x="120000" y="120000"/>
+                </a:lnTo>
+                <a:lnTo>
+                  <a:pt x="0" y="120000"/>
+                </a:lnTo>
+                <a:close/>
+              </a:path>
+            </a:pathLst>
+          </a:custGeom>
+          <a:noFill/>
+          <a:ln w="9525" cap="flat" cmpd="sng">
+            <a:solidFill>
+              <a:srgbClr val="000000"/>
+            </a:solidFill>
+            <a:prstDash val="solid"/>
+            <a:round/>
+            <a:headEnd type="none" w="sm" len="sm"/>
+            <a:tailEnd type="none" w="sm" len="sm"/>
+          </a:ln>
+        </p:spPr>
+      </p:sp>
+      <p:sp>
+        <p:nvSpPr>
+          <p:cNvPr id="375" name="Google Shape;375;p7:notes"/>
+          <p:cNvSpPr txBox="1">
+            <a:spLocks noGrp="1"/>
+          </p:cNvSpPr>
+          <p:nvPr>
+            <p:ph type="body" idx="1"/>
+          </p:nvPr>
+        </p:nvSpPr>
+        <p:spPr>
+          <a:xfrm>
+            <a:off x="685800" y="4343400"/>
+            <a:ext cx="5486400" cy="4114800"/>
+          </a:xfrm>
+          <a:prstGeom prst="rect">
+            <a:avLst/>
+          </a:prstGeom>
+          <a:noFill/>
+          <a:ln>
+            <a:noFill/>
+          </a:ln>
+        </p:spPr>
+        <p:txBody>
+          <a:bodyPr spcFirstLastPara="1" wrap="square" lIns="91425" tIns="91425" rIns="91425" bIns="91425" anchor="t" anchorCtr="0">
+            <a:noAutofit/>
+          </a:bodyPr>
+          <a:lstStyle/>
+          <a:p>
+            <a:pPr marL="0" lvl="0" indent="0" algn="l" rtl="0">
+              <a:lnSpc>
+                <a:spcPct val="100000"/>
+              </a:lnSpc>
+              <a:spcBef>
+                <a:spcPts val="0"/>
+              </a:spcBef>
+              <a:spcAft>
+                <a:spcPts val="0"/>
+              </a:spcAft>
+              <a:buSzPts val="1100"/>
+              <a:buNone/>
+            </a:pPr>
+            <a:endParaRPr/>
+          </a:p>
+        </p:txBody>
+      </p:sp>
+    </p:spTree>
+    <p:extLst>
+      <p:ext uri="{BB962C8B-B14F-4D97-AF65-F5344CB8AC3E}">
+        <p14:creationId xmlns:p14="http://schemas.microsoft.com/office/powerpoint/2010/main" val="2243565081"/>
+      </p:ext>
+    </p:extLst>
+  </p:cSld>
+  <p:clrMapOvr>
+    <a:masterClrMapping/>
+  </p:clrMapOvr>
+</p:notes>
+</file>
+
+<file path=ppt/notesSlides/notesSlide11.xml><?xml version="1.0" encoding="utf-8"?>
+<p:notes xmlns:a="http://schemas.openxmlformats.org/drawingml/2006/main" xmlns:r="http://schemas.openxmlformats.org/officeDocument/2006/relationships" xmlns:p="http://schemas.openxmlformats.org/presentationml/2006/main" showMasterSp="0" showMasterPhAnim="0">
+  <p:cSld>
+    <p:spTree>
+      <p:nvGrpSpPr>
+        <p:cNvPr id="1" name="Shape 379"/>
+        <p:cNvGrpSpPr/>
+        <p:nvPr/>
+      </p:nvGrpSpPr>
+      <p:grpSpPr>
+        <a:xfrm>
+          <a:off x="0" y="0"/>
+          <a:ext cx="0" cy="0"/>
+          <a:chOff x="0" y="0"/>
+          <a:chExt cx="0" cy="0"/>
+        </a:xfrm>
+      </p:grpSpPr>
+      <p:sp>
+        <p:nvSpPr>
+          <p:cNvPr id="380" name="Google Shape;380;p8:notes"/>
+          <p:cNvSpPr>
+            <a:spLocks noGrp="1" noRot="1" noChangeAspect="1"/>
+          </p:cNvSpPr>
+          <p:nvPr>
+            <p:ph type="sldImg" idx="2"/>
+          </p:nvPr>
+        </p:nvSpPr>
+        <p:spPr>
+          <a:xfrm>
+            <a:off x="381000" y="685800"/>
+            <a:ext cx="6096000" cy="3429000"/>
+          </a:xfrm>
+          <a:custGeom>
+            <a:avLst/>
+            <a:gdLst/>
+            <a:ahLst/>
+            <a:cxnLst/>
+            <a:rect l="l" t="t" r="r" b="b"/>
+            <a:pathLst>
+              <a:path w="120000" h="120000" extrusionOk="0">
+                <a:moveTo>
+                  <a:pt x="0" y="0"/>
+                </a:moveTo>
+                <a:lnTo>
+                  <a:pt x="120000" y="0"/>
+                </a:lnTo>
+                <a:lnTo>
+                  <a:pt x="120000" y="120000"/>
+                </a:lnTo>
+                <a:lnTo>
+                  <a:pt x="0" y="120000"/>
+                </a:lnTo>
+                <a:close/>
+              </a:path>
+            </a:pathLst>
+          </a:custGeom>
+          <a:noFill/>
+          <a:ln w="9525" cap="flat" cmpd="sng">
+            <a:solidFill>
+              <a:srgbClr val="000000"/>
+            </a:solidFill>
+            <a:prstDash val="solid"/>
+            <a:round/>
+            <a:headEnd type="none" w="sm" len="sm"/>
+            <a:tailEnd type="none" w="sm" len="sm"/>
+          </a:ln>
+        </p:spPr>
+      </p:sp>
+      <p:sp>
+        <p:nvSpPr>
+          <p:cNvPr id="381" name="Google Shape;381;p8:notes"/>
+          <p:cNvSpPr txBox="1">
+            <a:spLocks noGrp="1"/>
+          </p:cNvSpPr>
+          <p:nvPr>
+            <p:ph type="body" idx="1"/>
+          </p:nvPr>
+        </p:nvSpPr>
+        <p:spPr>
+          <a:xfrm>
+            <a:off x="685800" y="4343400"/>
+            <a:ext cx="5486400" cy="4114800"/>
+          </a:xfrm>
+          <a:prstGeom prst="rect">
+            <a:avLst/>
+          </a:prstGeom>
+          <a:noFill/>
+          <a:ln>
+            <a:noFill/>
+          </a:ln>
+        </p:spPr>
+        <p:txBody>
+          <a:bodyPr spcFirstLastPara="1" wrap="square" lIns="91425" tIns="91425" rIns="91425" bIns="91425" anchor="t" anchorCtr="0">
+            <a:noAutofit/>
+          </a:bodyPr>
+          <a:lstStyle/>
+          <a:p>
+            <a:pPr marL="0" lvl="0" indent="0" algn="l" rtl="0">
+              <a:lnSpc>
+                <a:spcPct val="100000"/>
+              </a:lnSpc>
+              <a:spcBef>
+                <a:spcPts val="0"/>
+              </a:spcBef>
+              <a:spcAft>
+                <a:spcPts val="0"/>
+              </a:spcAft>
+              <a:buSzPts val="1100"/>
+              <a:buNone/>
+            </a:pPr>
+            <a:endParaRPr/>
+          </a:p>
+        </p:txBody>
+      </p:sp>
+    </p:spTree>
+  </p:cSld>
+  <p:clrMapOvr>
+    <a:masterClrMapping/>
+  </p:clrMapOvr>
+</p:notes>
+</file>
+
+<file path=ppt/notesSlides/notesSlide12.xml><?xml version="1.0" encoding="utf-8"?>
+<p:notes xmlns:a="http://schemas.openxmlformats.org/drawingml/2006/main" xmlns:r="http://schemas.openxmlformats.org/officeDocument/2006/relationships" xmlns:p="http://schemas.openxmlformats.org/presentationml/2006/main" showMasterSp="0" showMasterPhAnim="0">
+  <p:cSld>
+    <p:spTree>
+      <p:nvGrpSpPr>
+        <p:cNvPr id="1" name="Shape 385"/>
+        <p:cNvGrpSpPr/>
+        <p:nvPr/>
+      </p:nvGrpSpPr>
+      <p:grpSpPr>
+        <a:xfrm>
+          <a:off x="0" y="0"/>
+          <a:ext cx="0" cy="0"/>
+          <a:chOff x="0" y="0"/>
+          <a:chExt cx="0" cy="0"/>
+        </a:xfrm>
+      </p:grpSpPr>
+      <p:sp>
+        <p:nvSpPr>
+          <p:cNvPr id="386" name="Google Shape;386;p9:notes"/>
+          <p:cNvSpPr>
+            <a:spLocks noGrp="1" noRot="1" noChangeAspect="1"/>
+          </p:cNvSpPr>
+          <p:nvPr>
+            <p:ph type="sldImg" idx="2"/>
+          </p:nvPr>
+        </p:nvSpPr>
+        <p:spPr>
+          <a:xfrm>
+            <a:off x="381000" y="685800"/>
+            <a:ext cx="6096000" cy="3429000"/>
+          </a:xfrm>
+          <a:custGeom>
+            <a:avLst/>
+            <a:gdLst/>
+            <a:ahLst/>
+            <a:cxnLst/>
+            <a:rect l="l" t="t" r="r" b="b"/>
+            <a:pathLst>
+              <a:path w="120000" h="120000" extrusionOk="0">
+                <a:moveTo>
+                  <a:pt x="0" y="0"/>
+                </a:moveTo>
+                <a:lnTo>
+                  <a:pt x="120000" y="0"/>
+                </a:lnTo>
+                <a:lnTo>
+                  <a:pt x="120000" y="120000"/>
+                </a:lnTo>
+                <a:lnTo>
+                  <a:pt x="0" y="120000"/>
+                </a:lnTo>
+                <a:close/>
+              </a:path>
+            </a:pathLst>
+          </a:custGeom>
+          <a:noFill/>
+          <a:ln w="9525" cap="flat" cmpd="sng">
+            <a:solidFill>
+              <a:srgbClr val="000000"/>
+            </a:solidFill>
+            <a:prstDash val="solid"/>
+            <a:round/>
+            <a:headEnd type="none" w="sm" len="sm"/>
+            <a:tailEnd type="none" w="sm" len="sm"/>
+          </a:ln>
+        </p:spPr>
+      </p:sp>
+      <p:sp>
+        <p:nvSpPr>
+          <p:cNvPr id="387" name="Google Shape;387;p9:notes"/>
+          <p:cNvSpPr txBox="1">
+            <a:spLocks noGrp="1"/>
+          </p:cNvSpPr>
+          <p:nvPr>
+            <p:ph type="body" idx="1"/>
+          </p:nvPr>
+        </p:nvSpPr>
+        <p:spPr>
+          <a:xfrm>
+            <a:off x="685800" y="4343400"/>
+            <a:ext cx="5486400" cy="4114800"/>
+          </a:xfrm>
+          <a:prstGeom prst="rect">
+            <a:avLst/>
+          </a:prstGeom>
+          <a:noFill/>
+          <a:ln>
+            <a:noFill/>
+          </a:ln>
+        </p:spPr>
+        <p:txBody>
+          <a:bodyPr spcFirstLastPara="1" wrap="square" lIns="91425" tIns="91425" rIns="91425" bIns="91425" anchor="t" anchorCtr="0">
+            <a:noAutofit/>
+          </a:bodyPr>
+          <a:lstStyle/>
+          <a:p>
+            <a:pPr marL="0" lvl="0" indent="0" algn="l" rtl="0">
+              <a:lnSpc>
+                <a:spcPct val="100000"/>
+              </a:lnSpc>
+              <a:spcBef>
+                <a:spcPts val="0"/>
+              </a:spcBef>
+              <a:spcAft>
+                <a:spcPts val="0"/>
+              </a:spcAft>
+              <a:buSzPts val="1100"/>
+              <a:buNone/>
+            </a:pPr>
+            <a:endParaRPr/>
+          </a:p>
+        </p:txBody>
+      </p:sp>
+    </p:spTree>
+  </p:cSld>
+  <p:clrMapOvr>
+    <a:masterClrMapping/>
+  </p:clrMapOvr>
+</p:notes>
+</file>
+
 <file path=ppt/notesSlides/notesSlide2.xml><?xml version="1.0" encoding="utf-8"?>
 <p:notes xmlns:a="http://schemas.openxmlformats.org/drawingml/2006/main" xmlns:r="http://schemas.openxmlformats.org/officeDocument/2006/relationships" xmlns:p="http://schemas.openxmlformats.org/presentationml/2006/main" showMasterSp="0" showMasterPhAnim="0">
   <p:cSld>
@@ -1720,7 +2097,7 @@
   <p:cSld>
     <p:spTree>
       <p:nvGrpSpPr>
-        <p:cNvPr id="1" name="Shape 379"/>
+        <p:cNvPr id="1" name="Shape 373"/>
         <p:cNvGrpSpPr/>
         <p:nvPr/>
       </p:nvGrpSpPr>
@@ -1734,7 +2111,7 @@
       </p:grpSpPr>
       <p:sp>
         <p:nvSpPr>
-          <p:cNvPr id="380" name="Google Shape;380;p8:notes"/>
+          <p:cNvPr id="374" name="Google Shape;374;p7:notes"/>
           <p:cNvSpPr>
             <a:spLocks noGrp="1" noRot="1" noChangeAspect="1"/>
           </p:cNvSpPr>
@@ -1785,7 +2162,7 @@
       </p:sp>
       <p:sp>
         <p:nvSpPr>
-          <p:cNvPr id="381" name="Google Shape;381;p8:notes"/>
+          <p:cNvPr id="375" name="Google Shape;375;p7:notes"/>
           <p:cNvSpPr txBox="1">
             <a:spLocks noGrp="1"/>
           </p:cNvSpPr>
@@ -1842,7 +2219,7 @@
   <p:cSld>
     <p:spTree>
       <p:nvGrpSpPr>
-        <p:cNvPr id="1" name="Shape 385"/>
+        <p:cNvPr id="1" name="Shape 373"/>
         <p:cNvGrpSpPr/>
         <p:nvPr/>
       </p:nvGrpSpPr>
@@ -1856,7 +2233,7 @@
       </p:grpSpPr>
       <p:sp>
         <p:nvSpPr>
-          <p:cNvPr id="386" name="Google Shape;386;p9:notes"/>
+          <p:cNvPr id="374" name="Google Shape;374;p7:notes"/>
           <p:cNvSpPr>
             <a:spLocks noGrp="1" noRot="1" noChangeAspect="1"/>
           </p:cNvSpPr>
@@ -1907,7 +2284,7 @@
       </p:sp>
       <p:sp>
         <p:nvSpPr>
-          <p:cNvPr id="387" name="Google Shape;387;p9:notes"/>
+          <p:cNvPr id="375" name="Google Shape;375;p7:notes"/>
           <p:cNvSpPr txBox="1">
             <a:spLocks noGrp="1"/>
           </p:cNvSpPr>
@@ -35265,7 +35642,7 @@
         <p:spPr>
           <a:xfrm>
             <a:off x="202721" y="2914651"/>
-            <a:ext cx="5546784" cy="2031325"/>
+            <a:ext cx="5546784" cy="2246769"/>
           </a:xfrm>
           <a:prstGeom prst="rect">
             <a:avLst/>
@@ -35293,13 +35670,19 @@
             <a:endParaRPr lang="en-US" dirty="0"/>
           </a:p>
           <a:p>
+            <a:endParaRPr lang="en-US" dirty="0"/>
+          </a:p>
+          <a:p>
             <a:r>
               <a:rPr lang="en-US" dirty="0"/>
               <a:t>Your team bio :  Jnaneshwar B.T.</a:t>
             </a:r>
           </a:p>
           <a:p>
-            <a:endParaRPr lang="en-US" dirty="0"/>
+            <a:r>
+              <a:rPr lang="en-US" dirty="0"/>
+              <a:t>+91-6362847265</a:t>
+            </a:r>
           </a:p>
           <a:p>
             <a:endParaRPr lang="en-US" dirty="0"/>
@@ -35313,7 +35696,7 @@
           <a:p>
             <a:r>
               <a:rPr lang="en-US" dirty="0"/>
-              <a:t>Date : 7</a:t>
+              <a:t>Date : 25</a:t>
             </a:r>
             <a:r>
               <a:rPr lang="en-US" baseline="30000" dirty="0"/>
@@ -35443,6 +35826,709 @@
 </p:sld>
 </file>
 
+<file path=ppt/slides/slide10.xml><?xml version="1.0" encoding="utf-8"?>
+<p:sld xmlns:a="http://schemas.openxmlformats.org/drawingml/2006/main" xmlns:r="http://schemas.openxmlformats.org/officeDocument/2006/relationships" xmlns:p="http://schemas.openxmlformats.org/presentationml/2006/main">
+  <p:cSld>
+    <p:spTree>
+      <p:nvGrpSpPr>
+        <p:cNvPr id="1" name="Shape 376"/>
+        <p:cNvGrpSpPr/>
+        <p:nvPr/>
+      </p:nvGrpSpPr>
+      <p:grpSpPr>
+        <a:xfrm>
+          <a:off x="0" y="0"/>
+          <a:ext cx="0" cy="0"/>
+          <a:chOff x="0" y="0"/>
+          <a:chExt cx="0" cy="0"/>
+        </a:xfrm>
+      </p:grpSpPr>
+      <p:sp>
+        <p:nvSpPr>
+          <p:cNvPr id="377" name="Google Shape;377;p7"/>
+          <p:cNvSpPr txBox="1">
+            <a:spLocks noGrp="1"/>
+          </p:cNvSpPr>
+          <p:nvPr>
+            <p:ph type="title"/>
+          </p:nvPr>
+        </p:nvSpPr>
+        <p:spPr>
+          <a:xfrm>
+            <a:off x="494629" y="229550"/>
+            <a:ext cx="8280000" cy="576000"/>
+          </a:xfrm>
+          <a:prstGeom prst="rect">
+            <a:avLst/>
+          </a:prstGeom>
+          <a:noFill/>
+          <a:ln>
+            <a:noFill/>
+          </a:ln>
+        </p:spPr>
+        <p:txBody>
+          <a:bodyPr spcFirstLastPara="1" wrap="square" lIns="91425" tIns="91425" rIns="91425" bIns="91425" anchor="t" anchorCtr="0">
+            <a:noAutofit/>
+          </a:bodyPr>
+          <a:lstStyle/>
+          <a:p>
+            <a:pPr marL="0" lvl="0" indent="0" algn="l" rtl="0">
+              <a:lnSpc>
+                <a:spcPct val="100000"/>
+              </a:lnSpc>
+              <a:spcBef>
+                <a:spcPts val="0"/>
+              </a:spcBef>
+              <a:spcAft>
+                <a:spcPts val="0"/>
+              </a:spcAft>
+              <a:buSzPts val="2800"/>
+              <a:buNone/>
+            </a:pPr>
+            <a:r>
+              <a:rPr lang="en-US" sz="2000" dirty="0">
+                <a:solidFill>
+                  <a:srgbClr val="222222"/>
+                </a:solidFill>
+                <a:highlight>
+                  <a:srgbClr val="FFFFFF"/>
+                </a:highlight>
+              </a:rPr>
+              <a:t>Adaptation Plan</a:t>
+            </a:r>
+            <a:endParaRPr lang="en-US" sz="2000" dirty="0"/>
+          </a:p>
+        </p:txBody>
+      </p:sp>
+      <p:sp>
+        <p:nvSpPr>
+          <p:cNvPr id="378" name="Google Shape;378;p7"/>
+          <p:cNvSpPr txBox="1"/>
+          <p:nvPr/>
+        </p:nvSpPr>
+        <p:spPr>
+          <a:xfrm>
+            <a:off x="494629" y="636145"/>
+            <a:ext cx="8238600" cy="3414300"/>
+          </a:xfrm>
+          <a:prstGeom prst="rect">
+            <a:avLst/>
+          </a:prstGeom>
+          <a:noFill/>
+          <a:ln>
+            <a:noFill/>
+          </a:ln>
+        </p:spPr>
+        <p:txBody>
+          <a:bodyPr spcFirstLastPara="1" wrap="square" lIns="91425" tIns="91425" rIns="91425" bIns="91425" anchor="t" anchorCtr="0">
+            <a:noAutofit/>
+          </a:bodyPr>
+          <a:lstStyle/>
+          <a:p>
+            <a:pPr algn="l">
+              <a:buFont typeface="+mj-lt"/>
+              <a:buAutoNum type="arabicPeriod"/>
+            </a:pPr>
+            <a:r>
+              <a:rPr lang="en-US" b="0" i="0" dirty="0">
+                <a:solidFill>
+                  <a:srgbClr val="374151"/>
+                </a:solidFill>
+                <a:effectLst/>
+                <a:latin typeface="Söhne"/>
+              </a:rPr>
+              <a:t>Define the goals and objectives: The first step is to define the goals and objectives of the smart agriculture system. The goals can include increasing crop yield, reducing water usage, improving soil health, and minimizing the use of pesticides.</a:t>
+            </a:r>
+          </a:p>
+          <a:p>
+            <a:pPr algn="l">
+              <a:buFont typeface="+mj-lt"/>
+              <a:buAutoNum type="arabicPeriod"/>
+            </a:pPr>
+            <a:r>
+              <a:rPr lang="en-US" b="0" i="0" dirty="0">
+                <a:solidFill>
+                  <a:srgbClr val="374151"/>
+                </a:solidFill>
+                <a:effectLst/>
+                <a:latin typeface="Söhne"/>
+              </a:rPr>
+              <a:t>Evaluate the current system: The next step is to evaluate the current agricultural practices and identify the areas that can be improved. This can include analyzing the soil quality, water availability, and crop yield.</a:t>
+            </a:r>
+          </a:p>
+          <a:p>
+            <a:pPr algn="l">
+              <a:buFont typeface="+mj-lt"/>
+              <a:buAutoNum type="arabicPeriod"/>
+            </a:pPr>
+            <a:r>
+              <a:rPr lang="en-US" b="0" i="0" dirty="0">
+                <a:solidFill>
+                  <a:srgbClr val="374151"/>
+                </a:solidFill>
+                <a:effectLst/>
+                <a:latin typeface="Söhne"/>
+              </a:rPr>
+              <a:t>Identify the technology: Once the goals are defined and the current system is evaluated, the next step is to identify the appropriate technology that can be used to achieve the goals. This can include sensors, drones, automated irrigation systems, and data analytics.</a:t>
+            </a:r>
+          </a:p>
+          <a:p>
+            <a:pPr algn="l">
+              <a:buFont typeface="+mj-lt"/>
+              <a:buAutoNum type="arabicPeriod"/>
+            </a:pPr>
+            <a:r>
+              <a:rPr lang="en-US" b="0" i="0" dirty="0">
+                <a:solidFill>
+                  <a:srgbClr val="374151"/>
+                </a:solidFill>
+                <a:effectLst/>
+                <a:latin typeface="Söhne"/>
+              </a:rPr>
+              <a:t>Develop a plan: Based on the goals, evaluation, and technology identification, develop a comprehensive plan that includes the timeline, budget, and resources required for implementing the smart agriculture system.</a:t>
+            </a:r>
+          </a:p>
+          <a:p>
+            <a:pPr algn="l">
+              <a:buFont typeface="+mj-lt"/>
+              <a:buAutoNum type="arabicPeriod"/>
+            </a:pPr>
+            <a:r>
+              <a:rPr lang="en-US" b="0" i="0" dirty="0">
+                <a:solidFill>
+                  <a:srgbClr val="374151"/>
+                </a:solidFill>
+                <a:effectLst/>
+                <a:latin typeface="Söhne"/>
+              </a:rPr>
+              <a:t>Pilot test: Before implementing the system on a large scale, it is recommended to conduct a pilot test to identify any issues and refine the system.</a:t>
+            </a:r>
+          </a:p>
+          <a:p>
+            <a:pPr algn="l">
+              <a:buFont typeface="+mj-lt"/>
+              <a:buAutoNum type="arabicPeriod"/>
+            </a:pPr>
+            <a:r>
+              <a:rPr lang="en-US" b="0" i="0" dirty="0">
+                <a:solidFill>
+                  <a:srgbClr val="374151"/>
+                </a:solidFill>
+                <a:effectLst/>
+                <a:latin typeface="Söhne"/>
+              </a:rPr>
+              <a:t>Monitor and evaluate: Once the system is implemented, it is important to continuously monitor and evaluate the system's performance to identify any areas that need improvement.</a:t>
+            </a:r>
+          </a:p>
+          <a:p>
+            <a:pPr algn="l">
+              <a:buFont typeface="+mj-lt"/>
+              <a:buAutoNum type="arabicPeriod"/>
+            </a:pPr>
+            <a:r>
+              <a:rPr lang="en-US" b="0" i="0" dirty="0">
+                <a:solidFill>
+                  <a:srgbClr val="374151"/>
+                </a:solidFill>
+                <a:effectLst/>
+                <a:latin typeface="Söhne"/>
+              </a:rPr>
+              <a:t>Training: To ensure successful implementation and adoption of the smart agriculture system, it is important to train the farmers and other stakeholders on how to use the technology effectively.</a:t>
+            </a:r>
+          </a:p>
+          <a:p>
+            <a:pPr algn="l">
+              <a:buFont typeface="+mj-lt"/>
+              <a:buAutoNum type="arabicPeriod"/>
+            </a:pPr>
+            <a:r>
+              <a:rPr lang="en-US" b="0" i="0" dirty="0">
+                <a:solidFill>
+                  <a:srgbClr val="374151"/>
+                </a:solidFill>
+                <a:effectLst/>
+                <a:latin typeface="Söhne"/>
+              </a:rPr>
+              <a:t>Scale-up: After the pilot test is successful, the smart agriculture system can be scaled up for broader adoption.</a:t>
+            </a:r>
+          </a:p>
+          <a:p>
+            <a:pPr algn="l">
+              <a:buFont typeface="+mj-lt"/>
+              <a:buAutoNum type="arabicPeriod"/>
+            </a:pPr>
+            <a:r>
+              <a:rPr lang="en-US" b="0" i="0" dirty="0">
+                <a:solidFill>
+                  <a:srgbClr val="374151"/>
+                </a:solidFill>
+                <a:effectLst/>
+                <a:latin typeface="Söhne"/>
+              </a:rPr>
+              <a:t>Continuous improvement: Finally, it is important to continuously improve the system by incorporating new technology and practices that can further enhance the efficiency and sustainability of the agriculture practices.</a:t>
+            </a:r>
+          </a:p>
+        </p:txBody>
+      </p:sp>
+      <p:pic>
+        <p:nvPicPr>
+          <p:cNvPr id="3" name="Picture 4" descr="Icon&#10;&#10;Description automatically generated">
+            <a:extLst>
+              <a:ext uri="{FF2B5EF4-FFF2-40B4-BE49-F238E27FC236}">
+                <a16:creationId xmlns:a16="http://schemas.microsoft.com/office/drawing/2014/main" id="{7B6370C9-37BD-451B-96D6-59883D031971}"/>
+              </a:ext>
+            </a:extLst>
+          </p:cNvPr>
+          <p:cNvPicPr>
+            <a:picLocks noChangeAspect="1"/>
+          </p:cNvPicPr>
+          <p:nvPr/>
+        </p:nvPicPr>
+        <p:blipFill>
+          <a:blip r:embed="rId3"/>
+          <a:stretch>
+            <a:fillRect/>
+          </a:stretch>
+        </p:blipFill>
+        <p:spPr>
+          <a:xfrm>
+            <a:off x="7789293" y="4744259"/>
+            <a:ext cx="1275272" cy="302464"/>
+          </a:xfrm>
+          <a:prstGeom prst="rect">
+            <a:avLst/>
+          </a:prstGeom>
+        </p:spPr>
+      </p:pic>
+    </p:spTree>
+    <p:extLst>
+      <p:ext uri="{BB962C8B-B14F-4D97-AF65-F5344CB8AC3E}">
+        <p14:creationId xmlns:p14="http://schemas.microsoft.com/office/powerpoint/2010/main" val="4051975183"/>
+      </p:ext>
+    </p:extLst>
+  </p:cSld>
+  <p:clrMapOvr>
+    <a:masterClrMapping/>
+  </p:clrMapOvr>
+</p:sld>
+</file>
+
+<file path=ppt/slides/slide11.xml><?xml version="1.0" encoding="utf-8"?>
+<p:sld xmlns:a="http://schemas.openxmlformats.org/drawingml/2006/main" xmlns:r="http://schemas.openxmlformats.org/officeDocument/2006/relationships" xmlns:p="http://schemas.openxmlformats.org/presentationml/2006/main">
+  <p:cSld>
+    <p:spTree>
+      <p:nvGrpSpPr>
+        <p:cNvPr id="1" name="Shape 382"/>
+        <p:cNvGrpSpPr/>
+        <p:nvPr/>
+      </p:nvGrpSpPr>
+      <p:grpSpPr>
+        <a:xfrm>
+          <a:off x="0" y="0"/>
+          <a:ext cx="0" cy="0"/>
+          <a:chOff x="0" y="0"/>
+          <a:chExt cx="0" cy="0"/>
+        </a:xfrm>
+      </p:grpSpPr>
+      <p:sp>
+        <p:nvSpPr>
+          <p:cNvPr id="383" name="Google Shape;383;p8"/>
+          <p:cNvSpPr txBox="1"/>
+          <p:nvPr/>
+        </p:nvSpPr>
+        <p:spPr>
+          <a:xfrm>
+            <a:off x="0" y="0"/>
+            <a:ext cx="9209400" cy="492600"/>
+          </a:xfrm>
+          <a:prstGeom prst="rect">
+            <a:avLst/>
+          </a:prstGeom>
+          <a:noFill/>
+          <a:ln>
+            <a:noFill/>
+          </a:ln>
+        </p:spPr>
+        <p:txBody>
+          <a:bodyPr spcFirstLastPara="1" wrap="square" lIns="91425" tIns="91425" rIns="91425" bIns="91425" anchor="t" anchorCtr="0">
+            <a:spAutoFit/>
+          </a:bodyPr>
+          <a:lstStyle/>
+          <a:p>
+            <a:pPr marL="0" marR="0" lvl="0" indent="0" algn="l" rtl="0">
+              <a:lnSpc>
+                <a:spcPct val="100000"/>
+              </a:lnSpc>
+              <a:spcBef>
+                <a:spcPts val="0"/>
+              </a:spcBef>
+              <a:spcAft>
+                <a:spcPts val="0"/>
+              </a:spcAft>
+              <a:buClr>
+                <a:srgbClr val="000000"/>
+              </a:buClr>
+              <a:buSzPts val="2000"/>
+              <a:buFont typeface="Arial"/>
+              <a:buNone/>
+            </a:pPr>
+            <a:r>
+              <a:rPr lang="en" sz="2000" b="1" i="0" u="none" strike="noStrike" cap="none">
+                <a:solidFill>
+                  <a:srgbClr val="1F1F50"/>
+                </a:solidFill>
+                <a:latin typeface="Lato"/>
+                <a:ea typeface="Lato"/>
+                <a:cs typeface="Lato"/>
+                <a:sym typeface="Lato"/>
+              </a:rPr>
+              <a:t>GitHub Repository Link &amp; </a:t>
+            </a:r>
+            <a:r>
+              <a:rPr lang="en" sz="2000" b="1" i="0" u="none" strike="noStrike" cap="none">
+                <a:solidFill>
+                  <a:srgbClr val="4A4548"/>
+                </a:solidFill>
+                <a:highlight>
+                  <a:srgbClr val="FFFFFF"/>
+                </a:highlight>
+                <a:latin typeface="Lato"/>
+                <a:ea typeface="Lato"/>
+                <a:cs typeface="Lato"/>
+                <a:sym typeface="Lato"/>
+              </a:rPr>
+              <a:t>supporting diagrams, screenshots, if any</a:t>
+            </a:r>
+            <a:endParaRPr sz="2000" b="1" i="0" u="none" strike="noStrike" cap="none">
+              <a:solidFill>
+                <a:srgbClr val="1F1F50"/>
+              </a:solidFill>
+              <a:latin typeface="Lato"/>
+              <a:ea typeface="Lato"/>
+              <a:cs typeface="Lato"/>
+              <a:sym typeface="Lato"/>
+            </a:endParaRPr>
+          </a:p>
+        </p:txBody>
+      </p:sp>
+      <p:pic>
+        <p:nvPicPr>
+          <p:cNvPr id="3" name="Picture 4" descr="Icon&#10;&#10;Description automatically generated">
+            <a:extLst>
+              <a:ext uri="{FF2B5EF4-FFF2-40B4-BE49-F238E27FC236}">
+                <a16:creationId xmlns:a16="http://schemas.microsoft.com/office/drawing/2014/main" id="{371026AC-0439-A36C-0828-9617F4761FCA}"/>
+              </a:ext>
+            </a:extLst>
+          </p:cNvPr>
+          <p:cNvPicPr>
+            <a:picLocks noChangeAspect="1"/>
+          </p:cNvPicPr>
+          <p:nvPr/>
+        </p:nvPicPr>
+        <p:blipFill>
+          <a:blip r:embed="rId3"/>
+          <a:stretch>
+            <a:fillRect/>
+          </a:stretch>
+        </p:blipFill>
+        <p:spPr>
+          <a:xfrm>
+            <a:off x="7789293" y="4744259"/>
+            <a:ext cx="1275272" cy="302464"/>
+          </a:xfrm>
+          <a:prstGeom prst="rect">
+            <a:avLst/>
+          </a:prstGeom>
+        </p:spPr>
+      </p:pic>
+      <p:sp>
+        <p:nvSpPr>
+          <p:cNvPr id="5" name="TextBox 4">
+            <a:extLst>
+              <a:ext uri="{FF2B5EF4-FFF2-40B4-BE49-F238E27FC236}">
+                <a16:creationId xmlns:a16="http://schemas.microsoft.com/office/drawing/2014/main" id="{5F9989F9-D9F3-A148-B411-4674DC2F616F}"/>
+              </a:ext>
+            </a:extLst>
+          </p:cNvPr>
+          <p:cNvSpPr txBox="1"/>
+          <p:nvPr/>
+        </p:nvSpPr>
+        <p:spPr>
+          <a:xfrm>
+            <a:off x="463639" y="708338"/>
+            <a:ext cx="4005330" cy="307777"/>
+          </a:xfrm>
+          <a:prstGeom prst="rect">
+            <a:avLst/>
+          </a:prstGeom>
+          <a:noFill/>
+        </p:spPr>
+        <p:txBody>
+          <a:bodyPr wrap="square" rtlCol="0">
+            <a:spAutoFit/>
+          </a:bodyPr>
+          <a:lstStyle/>
+          <a:p>
+            <a:r>
+              <a:rPr lang="en-US" dirty="0"/>
+              <a:t>Web based Device control panel for developer</a:t>
+            </a:r>
+          </a:p>
+        </p:txBody>
+      </p:sp>
+      <p:pic>
+        <p:nvPicPr>
+          <p:cNvPr id="7" name="Picture 6">
+            <a:extLst>
+              <a:ext uri="{FF2B5EF4-FFF2-40B4-BE49-F238E27FC236}">
+                <a16:creationId xmlns:a16="http://schemas.microsoft.com/office/drawing/2014/main" id="{D826B249-2C60-F4B6-BF97-465E7199ABB8}"/>
+              </a:ext>
+            </a:extLst>
+          </p:cNvPr>
+          <p:cNvPicPr>
+            <a:picLocks noChangeAspect="1"/>
+          </p:cNvPicPr>
+          <p:nvPr/>
+        </p:nvPicPr>
+        <p:blipFill>
+          <a:blip r:embed="rId4"/>
+          <a:stretch>
+            <a:fillRect/>
+          </a:stretch>
+        </p:blipFill>
+        <p:spPr>
+          <a:xfrm>
+            <a:off x="656269" y="1139751"/>
+            <a:ext cx="3709670" cy="2079967"/>
+          </a:xfrm>
+          <a:prstGeom prst="rect">
+            <a:avLst/>
+          </a:prstGeom>
+        </p:spPr>
+      </p:pic>
+      <p:pic>
+        <p:nvPicPr>
+          <p:cNvPr id="9" name="Picture 8">
+            <a:extLst>
+              <a:ext uri="{FF2B5EF4-FFF2-40B4-BE49-F238E27FC236}">
+                <a16:creationId xmlns:a16="http://schemas.microsoft.com/office/drawing/2014/main" id="{DE006140-FAD9-FB5C-7C1A-4B6146A9F83B}"/>
+              </a:ext>
+            </a:extLst>
+          </p:cNvPr>
+          <p:cNvPicPr>
+            <a:picLocks noChangeAspect="1"/>
+          </p:cNvPicPr>
+          <p:nvPr/>
+        </p:nvPicPr>
+        <p:blipFill>
+          <a:blip r:embed="rId5"/>
+          <a:stretch>
+            <a:fillRect/>
+          </a:stretch>
+        </p:blipFill>
+        <p:spPr>
+          <a:xfrm>
+            <a:off x="4668591" y="1139751"/>
+            <a:ext cx="3120701" cy="1740810"/>
+          </a:xfrm>
+          <a:prstGeom prst="rect">
+            <a:avLst/>
+          </a:prstGeom>
+        </p:spPr>
+      </p:pic>
+      <p:pic>
+        <p:nvPicPr>
+          <p:cNvPr id="11" name="Picture 10">
+            <a:extLst>
+              <a:ext uri="{FF2B5EF4-FFF2-40B4-BE49-F238E27FC236}">
+                <a16:creationId xmlns:a16="http://schemas.microsoft.com/office/drawing/2014/main" id="{E5B9CAB7-1182-9319-4199-6B79C6542BE8}"/>
+              </a:ext>
+            </a:extLst>
+          </p:cNvPr>
+          <p:cNvPicPr>
+            <a:picLocks noChangeAspect="1"/>
+          </p:cNvPicPr>
+          <p:nvPr/>
+        </p:nvPicPr>
+        <p:blipFill>
+          <a:blip r:embed="rId6"/>
+          <a:stretch>
+            <a:fillRect/>
+          </a:stretch>
+        </p:blipFill>
+        <p:spPr>
+          <a:xfrm>
+            <a:off x="701900" y="3052492"/>
+            <a:ext cx="1311436" cy="951257"/>
+          </a:xfrm>
+          <a:prstGeom prst="rect">
+            <a:avLst/>
+          </a:prstGeom>
+        </p:spPr>
+      </p:pic>
+    </p:spTree>
+  </p:cSld>
+  <p:clrMapOvr>
+    <a:masterClrMapping/>
+  </p:clrMapOvr>
+</p:sld>
+</file>
+
+<file path=ppt/slides/slide12.xml><?xml version="1.0" encoding="utf-8"?>
+<p:sld xmlns:a="http://schemas.openxmlformats.org/drawingml/2006/main" xmlns:r="http://schemas.openxmlformats.org/officeDocument/2006/relationships" xmlns:p="http://schemas.openxmlformats.org/presentationml/2006/main">
+  <p:cSld>
+    <p:spTree>
+      <p:nvGrpSpPr>
+        <p:cNvPr id="1" name="Shape 388"/>
+        <p:cNvGrpSpPr/>
+        <p:nvPr/>
+      </p:nvGrpSpPr>
+      <p:grpSpPr>
+        <a:xfrm>
+          <a:off x="0" y="0"/>
+          <a:ext cx="0" cy="0"/>
+          <a:chOff x="0" y="0"/>
+          <a:chExt cx="0" cy="0"/>
+        </a:xfrm>
+      </p:grpSpPr>
+      <p:sp>
+        <p:nvSpPr>
+          <p:cNvPr id="389" name="Google Shape;389;p9"/>
+          <p:cNvSpPr txBox="1">
+            <a:spLocks noGrp="1"/>
+          </p:cNvSpPr>
+          <p:nvPr>
+            <p:ph type="title"/>
+          </p:nvPr>
+        </p:nvSpPr>
+        <p:spPr>
+          <a:xfrm>
+            <a:off x="338275" y="1916925"/>
+            <a:ext cx="8649300" cy="827400"/>
+          </a:xfrm>
+          <a:prstGeom prst="rect">
+            <a:avLst/>
+          </a:prstGeom>
+          <a:noFill/>
+          <a:ln>
+            <a:noFill/>
+          </a:ln>
+        </p:spPr>
+        <p:txBody>
+          <a:bodyPr spcFirstLastPara="1" wrap="square" lIns="91425" tIns="91425" rIns="91425" bIns="91425" anchor="t" anchorCtr="0">
+            <a:noAutofit/>
+          </a:bodyPr>
+          <a:lstStyle/>
+          <a:p>
+            <a:pPr marL="0" lvl="0" indent="0" algn="l" rtl="0">
+              <a:lnSpc>
+                <a:spcPct val="100000"/>
+              </a:lnSpc>
+              <a:spcBef>
+                <a:spcPts val="0"/>
+              </a:spcBef>
+              <a:spcAft>
+                <a:spcPts val="0"/>
+              </a:spcAft>
+              <a:buSzPts val="2800"/>
+              <a:buNone/>
+            </a:pPr>
+            <a:r>
+              <a:rPr lang="en" sz="3600"/>
+              <a:t>Thank You</a:t>
+            </a:r>
+            <a:endParaRPr sz="3600"/>
+          </a:p>
+        </p:txBody>
+      </p:sp>
+      <p:sp>
+        <p:nvSpPr>
+          <p:cNvPr id="390" name="Google Shape;390;p9"/>
+          <p:cNvSpPr txBox="1">
+            <a:spLocks noGrp="1"/>
+          </p:cNvSpPr>
+          <p:nvPr>
+            <p:ph type="subTitle" idx="1"/>
+          </p:nvPr>
+        </p:nvSpPr>
+        <p:spPr>
+          <a:xfrm>
+            <a:off x="339712" y="2750625"/>
+            <a:ext cx="4559100" cy="377700"/>
+          </a:xfrm>
+          <a:prstGeom prst="rect">
+            <a:avLst/>
+          </a:prstGeom>
+          <a:noFill/>
+          <a:ln>
+            <a:noFill/>
+          </a:ln>
+        </p:spPr>
+        <p:txBody>
+          <a:bodyPr spcFirstLastPara="1" wrap="square" lIns="91425" tIns="91425" rIns="91425" bIns="91425" anchor="t" anchorCtr="0">
+            <a:noAutofit/>
+          </a:bodyPr>
+          <a:lstStyle/>
+          <a:p>
+            <a:pPr marL="0" lvl="0" indent="0" algn="l" rtl="0">
+              <a:lnSpc>
+                <a:spcPct val="150000"/>
+              </a:lnSpc>
+              <a:spcBef>
+                <a:spcPts val="0"/>
+              </a:spcBef>
+              <a:spcAft>
+                <a:spcPts val="1600"/>
+              </a:spcAft>
+              <a:buSzPts val="1800"/>
+              <a:buNone/>
+            </a:pPr>
+            <a:r>
+              <a:rPr lang="en" sz="1500" dirty="0"/>
+              <a:t>Jnaneshwar B.T.</a:t>
+            </a:r>
+            <a:endParaRPr sz="1500" dirty="0"/>
+          </a:p>
+        </p:txBody>
+      </p:sp>
+      <p:pic>
+        <p:nvPicPr>
+          <p:cNvPr id="3" name="Picture 4" descr="Icon&#10;&#10;Description automatically generated">
+            <a:extLst>
+              <a:ext uri="{FF2B5EF4-FFF2-40B4-BE49-F238E27FC236}">
+                <a16:creationId xmlns:a16="http://schemas.microsoft.com/office/drawing/2014/main" id="{F23B9EE8-1D10-8AD9-7EEC-E62C73116FA2}"/>
+              </a:ext>
+            </a:extLst>
+          </p:cNvPr>
+          <p:cNvPicPr>
+            <a:picLocks noChangeAspect="1"/>
+          </p:cNvPicPr>
+          <p:nvPr/>
+        </p:nvPicPr>
+        <p:blipFill>
+          <a:blip r:embed="rId3"/>
+          <a:stretch>
+            <a:fillRect/>
+          </a:stretch>
+        </p:blipFill>
+        <p:spPr>
+          <a:xfrm>
+            <a:off x="7789293" y="4744259"/>
+            <a:ext cx="1275272" cy="302464"/>
+          </a:xfrm>
+          <a:prstGeom prst="rect">
+            <a:avLst/>
+          </a:prstGeom>
+        </p:spPr>
+      </p:pic>
+    </p:spTree>
+  </p:cSld>
+  <p:clrMapOvr>
+    <a:masterClrMapping/>
+  </p:clrMapOvr>
+</p:sld>
+</file>
+
 <file path=ppt/slides/slide2.xml><?xml version="1.0" encoding="utf-8"?>
 <p:sld xmlns:a="http://schemas.openxmlformats.org/drawingml/2006/main" xmlns:r="http://schemas.openxmlformats.org/officeDocument/2006/relationships" xmlns:p="http://schemas.openxmlformats.org/presentationml/2006/main">
   <p:cSld>
@@ -36432,6 +37518,62 @@
             <a:noAutofit/>
           </a:bodyPr>
           <a:lstStyle/>
+          <a:p>
+            <a:pPr marL="285750" marR="0" lvl="0" indent="-285750" algn="l" rtl="0">
+              <a:lnSpc>
+                <a:spcPct val="115000"/>
+              </a:lnSpc>
+              <a:buClr>
+                <a:srgbClr val="000000"/>
+              </a:buClr>
+              <a:buSzPts val="1400"/>
+              <a:buFont typeface="Arial" panose="020B0604020202020204" pitchFamily="34" charset="0"/>
+              <a:buChar char="•"/>
+            </a:pPr>
+            <a:r>
+              <a:rPr lang="en" b="1" dirty="0">
+                <a:solidFill>
+                  <a:srgbClr val="222222"/>
+                </a:solidFill>
+                <a:highlight>
+                  <a:srgbClr val="FFFFFF"/>
+                </a:highlight>
+                <a:latin typeface="Lato"/>
+                <a:ea typeface="Lato"/>
+                <a:cs typeface="Lato"/>
+                <a:sym typeface="Lato"/>
+              </a:rPr>
+              <a:t>Developer shall have knowledge about the software, electronics and mechanical. Mechtronics. </a:t>
+            </a:r>
+          </a:p>
+          <a:p>
+            <a:pPr marL="285750" marR="0" lvl="0" indent="-285750" algn="l" rtl="0">
+              <a:lnSpc>
+                <a:spcPct val="115000"/>
+              </a:lnSpc>
+              <a:buClr>
+                <a:srgbClr val="000000"/>
+              </a:buClr>
+              <a:buSzPts val="1400"/>
+              <a:buFont typeface="Arial" panose="020B0604020202020204" pitchFamily="34" charset="0"/>
+              <a:buChar char="•"/>
+            </a:pPr>
+            <a:r>
+              <a:rPr lang="en" b="1" dirty="0">
+                <a:solidFill>
+                  <a:srgbClr val="222222"/>
+                </a:solidFill>
+                <a:highlight>
+                  <a:srgbClr val="FFFFFF"/>
+                </a:highlight>
+                <a:latin typeface="Lato"/>
+                <a:ea typeface="Lato"/>
+                <a:cs typeface="Lato"/>
+                <a:sym typeface="Lato"/>
+              </a:rPr>
+              <a:t>Have skillsets about the Cloud computing, firmware development, C,C++, Linux , Device Driver, Hardware design, </a:t>
+            </a:r>
+          </a:p>
           <a:p>
             <a:pPr marL="285750" marR="0" lvl="0" indent="-285750" algn="l" rtl="0">
               <a:lnSpc>
@@ -36877,7 +38019,7 @@
         <p:spPr>
           <a:xfrm>
             <a:off x="1180027" y="1226455"/>
-            <a:ext cx="4626734" cy="3046988"/>
+            <a:ext cx="7455258" cy="3046988"/>
           </a:xfrm>
           <a:prstGeom prst="rect">
             <a:avLst/>
@@ -37013,6 +38155,24 @@
                 <a:sym typeface="Lato"/>
               </a:rPr>
               <a:t>Oscilloscope</a:t>
+            </a:r>
+          </a:p>
+          <a:p>
+            <a:pPr marL="285750" indent="-285750">
+              <a:buFont typeface="Arial" panose="020B0604020202020204" pitchFamily="34" charset="0"/>
+              <a:buChar char="•"/>
+            </a:pPr>
+            <a:r>
+              <a:rPr lang="en-US" sz="1600" dirty="0">
+                <a:solidFill>
+                  <a:srgbClr val="374151"/>
+                </a:solidFill>
+                <a:latin typeface="Söhne"/>
+                <a:ea typeface="Lato"/>
+                <a:cs typeface="Lato"/>
+                <a:sym typeface="Lato"/>
+              </a:rPr>
+              <a:t>Machine.</a:t>
             </a:r>
           </a:p>
           <a:p>
@@ -37112,7 +38272,7 @@
         </p:nvSpPr>
         <p:spPr>
           <a:xfrm>
-            <a:off x="494629" y="229550"/>
+            <a:off x="473929" y="96777"/>
             <a:ext cx="8280000" cy="576000"/>
           </a:xfrm>
           <a:prstGeom prst="rect">
@@ -37143,10 +38303,253 @@
               <a:buNone/>
             </a:pPr>
             <a:r>
-              <a:rPr lang="en" sz="2000"/>
-              <a:t>Any Supporting Functional Documents</a:t>
+              <a:rPr lang="en" sz="2000" dirty="0"/>
+              <a:t>Methodology &amp; Architecture</a:t>
             </a:r>
-            <a:endParaRPr sz="2000"/>
+            <a:endParaRPr sz="2000" dirty="0"/>
+          </a:p>
+        </p:txBody>
+      </p:sp>
+      <p:sp>
+        <p:nvSpPr>
+          <p:cNvPr id="372" name="Google Shape;372;p6"/>
+          <p:cNvSpPr txBox="1"/>
+          <p:nvPr/>
+        </p:nvSpPr>
+        <p:spPr>
+          <a:xfrm>
+            <a:off x="473929" y="451163"/>
+            <a:ext cx="8238600" cy="4241173"/>
+          </a:xfrm>
+          <a:prstGeom prst="rect">
+            <a:avLst/>
+          </a:prstGeom>
+          <a:noFill/>
+          <a:ln>
+            <a:noFill/>
+          </a:ln>
+        </p:spPr>
+        <p:txBody>
+          <a:bodyPr spcFirstLastPara="1" wrap="square" lIns="91425" tIns="91425" rIns="91425" bIns="91425" anchor="t" anchorCtr="0">
+            <a:noAutofit/>
+          </a:bodyPr>
+          <a:lstStyle/>
+          <a:p>
+            <a:pPr algn="l">
+              <a:buFont typeface="+mj-lt"/>
+              <a:buAutoNum type="arabicPeriod"/>
+            </a:pPr>
+            <a:r>
+              <a:rPr lang="en-US" b="1" i="0" dirty="0">
+                <a:solidFill>
+                  <a:srgbClr val="374151"/>
+                </a:solidFill>
+                <a:effectLst/>
+                <a:latin typeface="Söhne"/>
+              </a:rPr>
+              <a:t>Infrastructure optimization: </a:t>
+            </a:r>
+            <a:r>
+              <a:rPr lang="en-US" b="0" i="0" dirty="0">
+                <a:solidFill>
+                  <a:srgbClr val="374151"/>
+                </a:solidFill>
+                <a:effectLst/>
+                <a:latin typeface="Söhne"/>
+              </a:rPr>
+              <a:t>Azure provides a range of infrastructure optimization tools that can be used to reduce energy consumption and carbon footprint. For example, the Azure Energy Efficiency calculator can be used to calculate the energy consumption of Azure virtual machines and recommend ways to optimize energy consumption.</a:t>
+            </a:r>
+          </a:p>
+          <a:p>
+            <a:pPr algn="l">
+              <a:buFont typeface="+mj-lt"/>
+              <a:buAutoNum type="arabicPeriod"/>
+            </a:pPr>
+            <a:r>
+              <a:rPr lang="en-US" b="1" i="0" dirty="0">
+                <a:solidFill>
+                  <a:srgbClr val="374151"/>
+                </a:solidFill>
+                <a:effectLst/>
+                <a:latin typeface="Söhne"/>
+              </a:rPr>
+              <a:t>Cloud-native architecture</a:t>
+            </a:r>
+            <a:r>
+              <a:rPr lang="en-US" b="0" i="0" dirty="0">
+                <a:solidFill>
+                  <a:srgbClr val="374151"/>
+                </a:solidFill>
+                <a:effectLst/>
+                <a:latin typeface="Söhne"/>
+              </a:rPr>
+              <a:t>: Cloud-native architecture refers to the design and deployment of software applications that are optimized for cloud computing environments. This involves using services and tools that are designed specifically for the cloud, such as Azure Kubernetes Service (AKS) and Azure Functions. Cloud-native architecture can help reduce energy consumption and carbon footprint by optimizing resource utilization and scaling.</a:t>
+            </a:r>
+          </a:p>
+          <a:p>
+            <a:pPr algn="l">
+              <a:buFont typeface="+mj-lt"/>
+              <a:buAutoNum type="arabicPeriod"/>
+            </a:pPr>
+            <a:r>
+              <a:rPr lang="en-US" b="1" i="0" dirty="0">
+                <a:solidFill>
+                  <a:srgbClr val="374151"/>
+                </a:solidFill>
+                <a:effectLst/>
+                <a:latin typeface="Söhne"/>
+              </a:rPr>
+              <a:t>Serverless computing: </a:t>
+            </a:r>
+            <a:r>
+              <a:rPr lang="en-US" b="0" i="0" dirty="0">
+                <a:solidFill>
+                  <a:srgbClr val="374151"/>
+                </a:solidFill>
+                <a:effectLst/>
+                <a:latin typeface="Söhne"/>
+              </a:rPr>
+              <a:t>Serverless computing is a cloud computing model in which the cloud provider manages the infrastructure and automatically allocates resources as needed. This can help reduce energy consumption and carbon footprint by eliminating the need for dedicated server infrastructure. Azure Functions and Azure Logic Apps are examples of serverless computing services provided by Azure.</a:t>
+            </a:r>
+          </a:p>
+          <a:p>
+            <a:pPr algn="l">
+              <a:buFont typeface="+mj-lt"/>
+              <a:buAutoNum type="arabicPeriod"/>
+            </a:pPr>
+            <a:r>
+              <a:rPr lang="en-US" b="1" i="0" dirty="0">
+                <a:solidFill>
+                  <a:srgbClr val="374151"/>
+                </a:solidFill>
+                <a:effectLst/>
+                <a:latin typeface="Söhne"/>
+              </a:rPr>
+              <a:t>Sustainable data centers: </a:t>
+            </a:r>
+            <a:r>
+              <a:rPr lang="en-US" b="0" i="0" dirty="0">
+                <a:solidFill>
+                  <a:srgbClr val="374151"/>
+                </a:solidFill>
+                <a:effectLst/>
+                <a:latin typeface="Söhne"/>
+              </a:rPr>
+              <a:t>Azure has made significant investments in building sustainable data centers that are designed to minimize energy consumption and carbon footprint. These data centers are powered by renewable energy sources and are equipped with energy-efficient hardware and cooling systems.</a:t>
+            </a:r>
+          </a:p>
+          <a:p>
+            <a:pPr algn="l">
+              <a:buFont typeface="+mj-lt"/>
+              <a:buAutoNum type="arabicPeriod"/>
+            </a:pPr>
+            <a:r>
+              <a:rPr lang="en-US" b="1" i="0" dirty="0">
+                <a:solidFill>
+                  <a:srgbClr val="374151"/>
+                </a:solidFill>
+                <a:effectLst/>
+                <a:latin typeface="Söhne"/>
+              </a:rPr>
+              <a:t>Smart Agriculture development practices: </a:t>
+            </a:r>
+            <a:r>
+              <a:rPr lang="en-US" b="0" i="0" dirty="0">
+                <a:solidFill>
+                  <a:srgbClr val="374151"/>
+                </a:solidFill>
+                <a:effectLst/>
+                <a:latin typeface="Söhne"/>
+              </a:rPr>
+              <a:t>Adopting green software development practices can help reduce the environmental impact of software development. These practices include optimizing code for energy efficiency, minimizing resource usage, and reducing waste generation. Azure provides a range of tools and services that can be used to implement these practices, such as Azure DevOps and Azure Advisor.</a:t>
+            </a:r>
+          </a:p>
+          <a:p>
+            <a:pPr marL="0" marR="0" lvl="0" indent="0" algn="l" rtl="0">
+              <a:lnSpc>
+                <a:spcPct val="100000"/>
+              </a:lnSpc>
+              <a:spcBef>
+                <a:spcPts val="0"/>
+              </a:spcBef>
+              <a:spcAft>
+                <a:spcPts val="0"/>
+              </a:spcAft>
+              <a:buClr>
+                <a:srgbClr val="000000"/>
+              </a:buClr>
+              <a:buSzPts val="1400"/>
+              <a:buFont typeface="Arial"/>
+              <a:buNone/>
+            </a:pPr>
+            <a:endParaRPr lang="en" sz="1400" b="0" i="0" u="none" strike="noStrike" cap="none" dirty="0">
+              <a:solidFill>
+                <a:srgbClr val="222222"/>
+              </a:solidFill>
+              <a:highlight>
+                <a:srgbClr val="FFFFFF"/>
+              </a:highlight>
+              <a:latin typeface="Lato"/>
+              <a:ea typeface="Lato"/>
+              <a:cs typeface="Lato"/>
+              <a:sym typeface="Lato"/>
+            </a:endParaRPr>
+          </a:p>
+          <a:p>
+            <a:pPr marL="0" marR="0" lvl="0" indent="0" algn="l" rtl="0">
+              <a:lnSpc>
+                <a:spcPct val="100000"/>
+              </a:lnSpc>
+              <a:spcBef>
+                <a:spcPts val="0"/>
+              </a:spcBef>
+              <a:spcAft>
+                <a:spcPts val="0"/>
+              </a:spcAft>
+              <a:buClr>
+                <a:srgbClr val="000000"/>
+              </a:buClr>
+              <a:buSzPts val="1400"/>
+              <a:buFont typeface="Arial"/>
+              <a:buNone/>
+            </a:pPr>
+            <a:endParaRPr sz="1400" b="0" i="0" u="none" strike="noStrike" cap="none" dirty="0">
+              <a:solidFill>
+                <a:srgbClr val="000000"/>
+              </a:solidFill>
+              <a:latin typeface="Lato"/>
+              <a:ea typeface="Lato"/>
+              <a:cs typeface="Lato"/>
+              <a:sym typeface="Lato"/>
+            </a:endParaRPr>
+          </a:p>
+          <a:p>
+            <a:pPr marL="914400" marR="0" lvl="0" indent="0" algn="l" rtl="0">
+              <a:lnSpc>
+                <a:spcPct val="100000"/>
+              </a:lnSpc>
+              <a:spcBef>
+                <a:spcPts val="0"/>
+              </a:spcBef>
+              <a:spcAft>
+                <a:spcPts val="0"/>
+              </a:spcAft>
+              <a:buClr>
+                <a:srgbClr val="000000"/>
+              </a:buClr>
+              <a:buSzPts val="1200"/>
+              <a:buFont typeface="Arial"/>
+              <a:buNone/>
+            </a:pPr>
+            <a:endParaRPr sz="1200" b="0" i="0" u="none" strike="noStrike" cap="none" dirty="0">
+              <a:solidFill>
+                <a:srgbClr val="000000"/>
+              </a:solidFill>
+              <a:latin typeface="Lato"/>
+              <a:ea typeface="Lato"/>
+              <a:cs typeface="Lato"/>
+              <a:sym typeface="Lato"/>
+            </a:endParaRPr>
           </a:p>
         </p:txBody>
       </p:sp>
@@ -37189,6 +38592,224 @@
 </file>
 
 <file path=ppt/slides/slide7.xml><?xml version="1.0" encoding="utf-8"?>
+<p:sld xmlns:a="http://schemas.openxmlformats.org/drawingml/2006/main" xmlns:r="http://schemas.openxmlformats.org/officeDocument/2006/relationships" xmlns:p="http://schemas.openxmlformats.org/presentationml/2006/main">
+  <p:cSld>
+    <p:spTree>
+      <p:nvGrpSpPr>
+        <p:cNvPr id="1" name="Shape 376"/>
+        <p:cNvGrpSpPr/>
+        <p:nvPr/>
+      </p:nvGrpSpPr>
+      <p:grpSpPr>
+        <a:xfrm>
+          <a:off x="0" y="0"/>
+          <a:ext cx="0" cy="0"/>
+          <a:chOff x="0" y="0"/>
+          <a:chExt cx="0" cy="0"/>
+        </a:xfrm>
+      </p:grpSpPr>
+      <p:sp>
+        <p:nvSpPr>
+          <p:cNvPr id="377" name="Google Shape;377;p7"/>
+          <p:cNvSpPr txBox="1">
+            <a:spLocks noGrp="1"/>
+          </p:cNvSpPr>
+          <p:nvPr>
+            <p:ph type="title"/>
+          </p:nvPr>
+        </p:nvSpPr>
+        <p:spPr>
+          <a:xfrm>
+            <a:off x="494629" y="229550"/>
+            <a:ext cx="8280000" cy="576000"/>
+          </a:xfrm>
+          <a:prstGeom prst="rect">
+            <a:avLst/>
+          </a:prstGeom>
+          <a:noFill/>
+          <a:ln>
+            <a:noFill/>
+          </a:ln>
+        </p:spPr>
+        <p:txBody>
+          <a:bodyPr spcFirstLastPara="1" wrap="square" lIns="91425" tIns="91425" rIns="91425" bIns="91425" anchor="t" anchorCtr="0">
+            <a:noAutofit/>
+          </a:bodyPr>
+          <a:lstStyle/>
+          <a:p>
+            <a:pPr marL="0" lvl="0" indent="0" algn="l" rtl="0">
+              <a:lnSpc>
+                <a:spcPct val="100000"/>
+              </a:lnSpc>
+              <a:spcBef>
+                <a:spcPts val="0"/>
+              </a:spcBef>
+              <a:spcAft>
+                <a:spcPts val="0"/>
+              </a:spcAft>
+              <a:buSzPts val="2800"/>
+              <a:buNone/>
+            </a:pPr>
+            <a:r>
+              <a:rPr lang="en" sz="2000" dirty="0">
+                <a:solidFill>
+                  <a:srgbClr val="222222"/>
+                </a:solidFill>
+                <a:highlight>
+                  <a:srgbClr val="FFFFFF"/>
+                </a:highlight>
+              </a:rPr>
+              <a:t>Key Differentiators</a:t>
+            </a:r>
+            <a:endParaRPr sz="2000" dirty="0"/>
+          </a:p>
+        </p:txBody>
+      </p:sp>
+      <p:sp>
+        <p:nvSpPr>
+          <p:cNvPr id="378" name="Google Shape;378;p7"/>
+          <p:cNvSpPr txBox="1"/>
+          <p:nvPr/>
+        </p:nvSpPr>
+        <p:spPr>
+          <a:xfrm>
+            <a:off x="512375" y="1151300"/>
+            <a:ext cx="8238600" cy="3414300"/>
+          </a:xfrm>
+          <a:prstGeom prst="rect">
+            <a:avLst/>
+          </a:prstGeom>
+          <a:noFill/>
+          <a:ln>
+            <a:noFill/>
+          </a:ln>
+        </p:spPr>
+        <p:txBody>
+          <a:bodyPr spcFirstLastPara="1" wrap="square" lIns="91425" tIns="91425" rIns="91425" bIns="91425" anchor="t" anchorCtr="0">
+            <a:noAutofit/>
+          </a:bodyPr>
+          <a:lstStyle/>
+          <a:p>
+            <a:pPr algn="l">
+              <a:buFont typeface="+mj-lt"/>
+              <a:buAutoNum type="arabicPeriod"/>
+            </a:pPr>
+            <a:r>
+              <a:rPr lang="en-US" b="0" i="0" dirty="0">
+                <a:solidFill>
+                  <a:srgbClr val="374151"/>
+                </a:solidFill>
+                <a:effectLst/>
+                <a:latin typeface="Söhne"/>
+              </a:rPr>
+              <a:t>Azure Sustainability: Microsoft has made significant investments in building sustainable data centers and improving energy efficiency, making Azure a leading cloud provider smart agriculture.</a:t>
+            </a:r>
+          </a:p>
+          <a:p>
+            <a:pPr algn="l">
+              <a:buFont typeface="+mj-lt"/>
+              <a:buAutoNum type="arabicPeriod"/>
+            </a:pPr>
+            <a:r>
+              <a:rPr lang="en-US" b="0" i="0" dirty="0">
+                <a:solidFill>
+                  <a:srgbClr val="374151"/>
+                </a:solidFill>
+                <a:effectLst/>
+                <a:latin typeface="Söhne"/>
+              </a:rPr>
+              <a:t>Comprehensive Tools: Azure provides a range of tools and services that can be used to develop and deploy green software, including serverless computing, Kubernetes, and DevOps tools.</a:t>
+            </a:r>
+          </a:p>
+          <a:p>
+            <a:pPr algn="l">
+              <a:buFont typeface="+mj-lt"/>
+              <a:buAutoNum type="arabicPeriod"/>
+            </a:pPr>
+            <a:r>
+              <a:rPr lang="en-US" b="0" i="0" dirty="0">
+                <a:solidFill>
+                  <a:srgbClr val="374151"/>
+                </a:solidFill>
+                <a:effectLst/>
+                <a:latin typeface="Söhne"/>
+              </a:rPr>
+              <a:t>Integration with Other Microsoft Products: Azure integrates well with other Microsoft products, such as Power BI, Dynamics 365, and SharePoint, providing a seamless user experience for developing and deploying green software.</a:t>
+            </a:r>
+          </a:p>
+          <a:p>
+            <a:pPr algn="l">
+              <a:buFont typeface="+mj-lt"/>
+              <a:buAutoNum type="arabicPeriod"/>
+            </a:pPr>
+            <a:r>
+              <a:rPr lang="en-US" b="0" i="0" dirty="0">
+                <a:solidFill>
+                  <a:srgbClr val="374151"/>
+                </a:solidFill>
+                <a:effectLst/>
+                <a:latin typeface="Söhne"/>
+              </a:rPr>
+              <a:t>Flexibility and Scalability: Azure offers a flexible and scalable infrastructure that can be customized to meet the unique needs of smart agriculture applications.</a:t>
+            </a:r>
+          </a:p>
+          <a:p>
+            <a:pPr algn="l">
+              <a:buFont typeface="+mj-lt"/>
+              <a:buAutoNum type="arabicPeriod"/>
+            </a:pPr>
+            <a:r>
+              <a:rPr lang="en-US" b="0" i="0" dirty="0">
+                <a:solidFill>
+                  <a:srgbClr val="374151"/>
+                </a:solidFill>
+                <a:effectLst/>
+                <a:latin typeface="Söhne"/>
+              </a:rPr>
+              <a:t>Security and Compliance: Azure provides a range of security and compliance features, such as encryption, access controls, and compliance certifications, ensuring that smart agriculture applications are secure and compliant with regulations.</a:t>
+            </a:r>
+          </a:p>
+        </p:txBody>
+      </p:sp>
+      <p:pic>
+        <p:nvPicPr>
+          <p:cNvPr id="3" name="Picture 4" descr="Icon&#10;&#10;Description automatically generated">
+            <a:extLst>
+              <a:ext uri="{FF2B5EF4-FFF2-40B4-BE49-F238E27FC236}">
+                <a16:creationId xmlns:a16="http://schemas.microsoft.com/office/drawing/2014/main" id="{7B6370C9-37BD-451B-96D6-59883D031971}"/>
+              </a:ext>
+            </a:extLst>
+          </p:cNvPr>
+          <p:cNvPicPr>
+            <a:picLocks noChangeAspect="1"/>
+          </p:cNvPicPr>
+          <p:nvPr/>
+        </p:nvPicPr>
+        <p:blipFill>
+          <a:blip r:embed="rId3"/>
+          <a:stretch>
+            <a:fillRect/>
+          </a:stretch>
+        </p:blipFill>
+        <p:spPr>
+          <a:xfrm>
+            <a:off x="7789293" y="4744259"/>
+            <a:ext cx="1275272" cy="302464"/>
+          </a:xfrm>
+          <a:prstGeom prst="rect">
+            <a:avLst/>
+          </a:prstGeom>
+        </p:spPr>
+      </p:pic>
+    </p:spTree>
+  </p:cSld>
+  <p:clrMapOvr>
+    <a:masterClrMapping/>
+  </p:clrMapOvr>
+</p:sld>
+</file>
+
+<file path=ppt/slides/slide8.xml><?xml version="1.0" encoding="utf-8"?>
 <p:sld xmlns:a="http://schemas.openxmlformats.org/drawingml/2006/main" xmlns:r="http://schemas.openxmlformats.org/officeDocument/2006/relationships" xmlns:p="http://schemas.openxmlformats.org/presentationml/2006/main" show="0">
   <p:cSld>
     <p:spTree>
@@ -37256,7 +38877,7 @@
                   <a:srgbClr val="FFFFFF"/>
                 </a:highlight>
               </a:rPr>
-              <a:t>Key Differentiators &amp; Adoption Plan</a:t>
+              <a:t>Blocks of Hardware platform</a:t>
             </a:r>
             <a:endParaRPr sz="2000" dirty="0"/>
           </a:p>
@@ -37519,12 +39140,12 @@
 </p:sld>
 </file>
 
-<file path=ppt/slides/slide8.xml><?xml version="1.0" encoding="utf-8"?>
+<file path=ppt/slides/slide9.xml><?xml version="1.0" encoding="utf-8"?>
 <p:sld xmlns:a="http://schemas.openxmlformats.org/drawingml/2006/main" xmlns:r="http://schemas.openxmlformats.org/officeDocument/2006/relationships" xmlns:p="http://schemas.openxmlformats.org/presentationml/2006/main">
   <p:cSld>
     <p:spTree>
       <p:nvGrpSpPr>
-        <p:cNvPr id="1" name="Shape 382"/>
+        <p:cNvPr id="1" name="Shape 376"/>
         <p:cNvGrpSpPr/>
         <p:nvPr/>
       </p:nvGrpSpPr>
@@ -37538,14 +39159,18 @@
       </p:grpSpPr>
       <p:sp>
         <p:nvSpPr>
-          <p:cNvPr id="383" name="Google Shape;383;p8"/>
-          <p:cNvSpPr txBox="1"/>
-          <p:nvPr/>
+          <p:cNvPr id="377" name="Google Shape;377;p7"/>
+          <p:cNvSpPr txBox="1">
+            <a:spLocks noGrp="1"/>
+          </p:cNvSpPr>
+          <p:nvPr>
+            <p:ph type="title"/>
+          </p:nvPr>
         </p:nvSpPr>
         <p:spPr>
           <a:xfrm>
-            <a:off x="0" y="0"/>
-            <a:ext cx="9209400" cy="492600"/>
+            <a:off x="494629" y="229550"/>
+            <a:ext cx="8280000" cy="576000"/>
           </a:xfrm>
           <a:prstGeom prst="rect">
             <a:avLst/>
@@ -37557,63 +39182,35 @@
         </p:spPr>
         <p:txBody>
           <a:bodyPr spcFirstLastPara="1" wrap="square" lIns="91425" tIns="91425" rIns="91425" bIns="91425" anchor="t" anchorCtr="0">
-            <a:spAutoFit/>
+            <a:noAutofit/>
           </a:bodyPr>
           <a:lstStyle/>
           <a:p>
-            <a:pPr marL="0" marR="0" lvl="0" indent="0" algn="l" rtl="0">
-              <a:lnSpc>
-                <a:spcPct val="100000"/>
-              </a:lnSpc>
-              <a:spcBef>
-                <a:spcPts val="0"/>
-              </a:spcBef>
-              <a:spcAft>
-                <a:spcPts val="0"/>
-              </a:spcAft>
-              <a:buClr>
-                <a:srgbClr val="000000"/>
-              </a:buClr>
-              <a:buSzPts val="2000"/>
-              <a:buFont typeface="Arial"/>
+            <a:pPr marL="0" lvl="0" indent="0" algn="l" rtl="0">
+              <a:lnSpc>
+                <a:spcPct val="100000"/>
+              </a:lnSpc>
+              <a:spcBef>
+                <a:spcPts val="0"/>
+              </a:spcBef>
+              <a:spcAft>
+                <a:spcPts val="0"/>
+              </a:spcAft>
+              <a:buSzPts val="2800"/>
               <a:buNone/>
             </a:pPr>
             <a:r>
-              <a:rPr lang="en" sz="2000" b="1" i="0" u="none" strike="noStrike" cap="none">
-                <a:solidFill>
-                  <a:srgbClr val="1F1F50"/>
-                </a:solidFill>
-                <a:latin typeface="Lato"/>
-                <a:ea typeface="Lato"/>
-                <a:cs typeface="Lato"/>
-                <a:sym typeface="Lato"/>
-              </a:rPr>
-              <a:t>GitHub Repository Link &amp; </a:t>
-            </a:r>
-            <a:r>
-              <a:rPr lang="en" sz="2000" b="1" i="0" u="none" strike="noStrike" cap="none">
-                <a:solidFill>
-                  <a:srgbClr val="4A4548"/>
+              <a:rPr lang="en" sz="2000" dirty="0">
+                <a:solidFill>
+                  <a:srgbClr val="222222"/>
                 </a:solidFill>
                 <a:highlight>
                   <a:srgbClr val="FFFFFF"/>
                 </a:highlight>
-                <a:latin typeface="Lato"/>
-                <a:ea typeface="Lato"/>
-                <a:cs typeface="Lato"/>
-                <a:sym typeface="Lato"/>
               </a:rPr>
-              <a:t>supporting diagrams, screenshots, if any</a:t>
+              <a:t>Key Differentiators</a:t>
             </a:r>
-            <a:endParaRPr sz="2000" b="1" i="0" u="none" strike="noStrike" cap="none">
-              <a:solidFill>
-                <a:srgbClr val="1F1F50"/>
-              </a:solidFill>
-              <a:latin typeface="Lato"/>
-              <a:ea typeface="Lato"/>
-              <a:cs typeface="Lato"/>
-              <a:sym typeface="Lato"/>
-            </a:endParaRPr>
+            <a:endParaRPr sz="2000" dirty="0"/>
           </a:p>
         </p:txBody>
       </p:sp>
@@ -37622,7 +39219,7 @@
           <p:cNvPr id="3" name="Picture 4" descr="Icon&#10;&#10;Description automatically generated">
             <a:extLst>
               <a:ext uri="{FF2B5EF4-FFF2-40B4-BE49-F238E27FC236}">
-                <a16:creationId xmlns:a16="http://schemas.microsoft.com/office/drawing/2014/main" id="{371026AC-0439-A36C-0828-9617F4761FCA}"/>
+                <a16:creationId xmlns:a16="http://schemas.microsoft.com/office/drawing/2014/main" id="{7B6370C9-37BD-451B-96D6-59883D031971}"/>
               </a:ext>
             </a:extLst>
           </p:cNvPr>
@@ -37649,168 +39246,22 @@
       </p:pic>
       <p:sp>
         <p:nvSpPr>
-          <p:cNvPr id="5" name="TextBox 4">
+          <p:cNvPr id="6" name="Rectangle 4">
             <a:extLst>
               <a:ext uri="{FF2B5EF4-FFF2-40B4-BE49-F238E27FC236}">
-                <a16:creationId xmlns:a16="http://schemas.microsoft.com/office/drawing/2014/main" id="{5F9989F9-D9F3-A148-B411-4674DC2F616F}"/>
+                <a16:creationId xmlns:a16="http://schemas.microsoft.com/office/drawing/2014/main" id="{0FC44B87-4523-C174-3D42-796F7C27D03C}"/>
               </a:ext>
             </a:extLst>
           </p:cNvPr>
-          <p:cNvSpPr txBox="1"/>
+          <p:cNvSpPr>
+            <a:spLocks noChangeArrowheads="1"/>
+          </p:cNvSpPr>
           <p:nvPr/>
         </p:nvSpPr>
-        <p:spPr>
+        <p:spPr bwMode="auto">
           <a:xfrm>
-            <a:off x="463639" y="708338"/>
-            <a:ext cx="4005330" cy="307777"/>
-          </a:xfrm>
-          <a:prstGeom prst="rect">
-            <a:avLst/>
-          </a:prstGeom>
-          <a:noFill/>
-        </p:spPr>
-        <p:txBody>
-          <a:bodyPr wrap="square" rtlCol="0">
-            <a:spAutoFit/>
-          </a:bodyPr>
-          <a:lstStyle/>
-          <a:p>
-            <a:r>
-              <a:rPr lang="en-US" dirty="0"/>
-              <a:t>Web based Device control panel for developer</a:t>
-            </a:r>
-          </a:p>
-        </p:txBody>
-      </p:sp>
-      <p:pic>
-        <p:nvPicPr>
-          <p:cNvPr id="7" name="Picture 6">
-            <a:extLst>
-              <a:ext uri="{FF2B5EF4-FFF2-40B4-BE49-F238E27FC236}">
-                <a16:creationId xmlns:a16="http://schemas.microsoft.com/office/drawing/2014/main" id="{D826B249-2C60-F4B6-BF97-465E7199ABB8}"/>
-              </a:ext>
-            </a:extLst>
-          </p:cNvPr>
-          <p:cNvPicPr>
-            <a:picLocks noChangeAspect="1"/>
-          </p:cNvPicPr>
-          <p:nvPr/>
-        </p:nvPicPr>
-        <p:blipFill>
-          <a:blip r:embed="rId4"/>
-          <a:stretch>
-            <a:fillRect/>
-          </a:stretch>
-        </p:blipFill>
-        <p:spPr>
-          <a:xfrm>
-            <a:off x="656269" y="1139751"/>
-            <a:ext cx="3709670" cy="2079967"/>
-          </a:xfrm>
-          <a:prstGeom prst="rect">
-            <a:avLst/>
-          </a:prstGeom>
-        </p:spPr>
-      </p:pic>
-      <p:pic>
-        <p:nvPicPr>
-          <p:cNvPr id="9" name="Picture 8">
-            <a:extLst>
-              <a:ext uri="{FF2B5EF4-FFF2-40B4-BE49-F238E27FC236}">
-                <a16:creationId xmlns:a16="http://schemas.microsoft.com/office/drawing/2014/main" id="{DE006140-FAD9-FB5C-7C1A-4B6146A9F83B}"/>
-              </a:ext>
-            </a:extLst>
-          </p:cNvPr>
-          <p:cNvPicPr>
-            <a:picLocks noChangeAspect="1"/>
-          </p:cNvPicPr>
-          <p:nvPr/>
-        </p:nvPicPr>
-        <p:blipFill>
-          <a:blip r:embed="rId5"/>
-          <a:stretch>
-            <a:fillRect/>
-          </a:stretch>
-        </p:blipFill>
-        <p:spPr>
-          <a:xfrm>
-            <a:off x="4668591" y="1139751"/>
-            <a:ext cx="3120701" cy="1740810"/>
-          </a:xfrm>
-          <a:prstGeom prst="rect">
-            <a:avLst/>
-          </a:prstGeom>
-        </p:spPr>
-      </p:pic>
-      <p:pic>
-        <p:nvPicPr>
-          <p:cNvPr id="11" name="Picture 10">
-            <a:extLst>
-              <a:ext uri="{FF2B5EF4-FFF2-40B4-BE49-F238E27FC236}">
-                <a16:creationId xmlns:a16="http://schemas.microsoft.com/office/drawing/2014/main" id="{E5B9CAB7-1182-9319-4199-6B79C6542BE8}"/>
-              </a:ext>
-            </a:extLst>
-          </p:cNvPr>
-          <p:cNvPicPr>
-            <a:picLocks noChangeAspect="1"/>
-          </p:cNvPicPr>
-          <p:nvPr/>
-        </p:nvPicPr>
-        <p:blipFill>
-          <a:blip r:embed="rId6"/>
-          <a:stretch>
-            <a:fillRect/>
-          </a:stretch>
-        </p:blipFill>
-        <p:spPr>
-          <a:xfrm>
-            <a:off x="701900" y="3052492"/>
-            <a:ext cx="1311436" cy="951257"/>
-          </a:xfrm>
-          <a:prstGeom prst="rect">
-            <a:avLst/>
-          </a:prstGeom>
-        </p:spPr>
-      </p:pic>
-    </p:spTree>
-  </p:cSld>
-  <p:clrMapOvr>
-    <a:masterClrMapping/>
-  </p:clrMapOvr>
-</p:sld>
-</file>
-
-<file path=ppt/slides/slide9.xml><?xml version="1.0" encoding="utf-8"?>
-<p:sld xmlns:a="http://schemas.openxmlformats.org/drawingml/2006/main" xmlns:r="http://schemas.openxmlformats.org/officeDocument/2006/relationships" xmlns:p="http://schemas.openxmlformats.org/presentationml/2006/main">
-  <p:cSld>
-    <p:spTree>
-      <p:nvGrpSpPr>
-        <p:cNvPr id="1" name="Shape 388"/>
-        <p:cNvGrpSpPr/>
-        <p:nvPr/>
-      </p:nvGrpSpPr>
-      <p:grpSpPr>
-        <a:xfrm>
-          <a:off x="0" y="0"/>
-          <a:ext cx="0" cy="0"/>
-          <a:chOff x="0" y="0"/>
-          <a:chExt cx="0" cy="0"/>
-        </a:xfrm>
-      </p:grpSpPr>
-      <p:sp>
-        <p:nvSpPr>
-          <p:cNvPr id="389" name="Google Shape;389;p9"/>
-          <p:cNvSpPr txBox="1">
-            <a:spLocks noGrp="1"/>
-          </p:cNvSpPr>
-          <p:nvPr>
-            <p:ph type="title"/>
-          </p:nvPr>
-        </p:nvSpPr>
-        <p:spPr>
-          <a:xfrm>
-            <a:off x="338275" y="1916925"/>
-            <a:ext cx="8649300" cy="827400"/>
+            <a:off x="300002" y="313458"/>
+            <a:ext cx="8428589" cy="5186293"/>
           </a:xfrm>
           <a:prstGeom prst="rect">
             <a:avLst/>
@@ -37819,114 +39270,682 @@
           <a:ln>
             <a:noFill/>
           </a:ln>
+          <a:effectLst/>
+          <a:extLst>
+            <a:ext uri="{909E8E84-426E-40DD-AFC4-6F175D3DCCD1}">
+              <a14:hiddenFill xmlns:a14="http://schemas.microsoft.com/office/drawing/2010/main">
+                <a:solidFill>
+                  <a:schemeClr val="accent1"/>
+                </a:solidFill>
+              </a14:hiddenFill>
+            </a:ext>
+            <a:ext uri="{91240B29-F687-4F45-9708-019B960494DF}">
+              <a14:hiddenLine xmlns:a14="http://schemas.microsoft.com/office/drawing/2010/main" w="9525">
+                <a:solidFill>
+                  <a:schemeClr val="tx1"/>
+                </a:solidFill>
+                <a:miter lim="800000"/>
+                <a:headEnd/>
+                <a:tailEnd/>
+              </a14:hiddenLine>
+            </a:ext>
+            <a:ext uri="{AF507438-7753-43E0-B8FC-AC1667EBCBE1}">
+              <a14:hiddenEffects xmlns:a14="http://schemas.microsoft.com/office/drawing/2010/main">
+                <a:effectLst>
+                  <a:outerShdw dist="35921" dir="2700000" algn="ctr" rotWithShape="0">
+                    <a:schemeClr val="bg2"/>
+                  </a:outerShdw>
+                </a:effectLst>
+              </a14:hiddenEffects>
+            </a:ext>
+          </a:extLst>
         </p:spPr>
         <p:txBody>
-          <a:bodyPr spcFirstLastPara="1" wrap="square" lIns="91425" tIns="91425" rIns="91425" bIns="91425" anchor="t" anchorCtr="0">
-            <a:noAutofit/>
+          <a:bodyPr vert="horz" wrap="none" lIns="0" tIns="198375" rIns="0" bIns="0" numCol="1" anchor="ctr" anchorCtr="0" compatLnSpc="1">
+            <a:prstTxWarp prst="textNoShape">
+              <a:avLst/>
+            </a:prstTxWarp>
+            <a:spAutoFit/>
           </a:bodyPr>
-          <a:lstStyle/>
+          <a:lstStyle>
+            <a:lvl1pPr eaLnBrk="0" fontAlgn="base" hangingPunct="0">
+              <a:spcBef>
+                <a:spcPct val="0"/>
+              </a:spcBef>
+              <a:spcAft>
+                <a:spcPct val="0"/>
+              </a:spcAft>
+              <a:defRPr>
+                <a:solidFill>
+                  <a:schemeClr val="tx1"/>
+                </a:solidFill>
+                <a:latin typeface="Arial" panose="020B0604020202020204" pitchFamily="34" charset="0"/>
+              </a:defRPr>
+            </a:lvl1pPr>
+            <a:lvl2pPr marL="457200" eaLnBrk="0" fontAlgn="base" hangingPunct="0">
+              <a:spcBef>
+                <a:spcPct val="0"/>
+              </a:spcBef>
+              <a:spcAft>
+                <a:spcPct val="0"/>
+              </a:spcAft>
+              <a:defRPr>
+                <a:solidFill>
+                  <a:schemeClr val="tx1"/>
+                </a:solidFill>
+                <a:latin typeface="Arial" panose="020B0604020202020204" pitchFamily="34" charset="0"/>
+              </a:defRPr>
+            </a:lvl2pPr>
+            <a:lvl3pPr marL="914400" eaLnBrk="0" fontAlgn="base" hangingPunct="0">
+              <a:spcBef>
+                <a:spcPct val="0"/>
+              </a:spcBef>
+              <a:spcAft>
+                <a:spcPct val="0"/>
+              </a:spcAft>
+              <a:defRPr>
+                <a:solidFill>
+                  <a:schemeClr val="tx1"/>
+                </a:solidFill>
+                <a:latin typeface="Arial" panose="020B0604020202020204" pitchFamily="34" charset="0"/>
+              </a:defRPr>
+            </a:lvl3pPr>
+            <a:lvl4pPr marL="1371600" eaLnBrk="0" fontAlgn="base" hangingPunct="0">
+              <a:spcBef>
+                <a:spcPct val="0"/>
+              </a:spcBef>
+              <a:spcAft>
+                <a:spcPct val="0"/>
+              </a:spcAft>
+              <a:defRPr>
+                <a:solidFill>
+                  <a:schemeClr val="tx1"/>
+                </a:solidFill>
+                <a:latin typeface="Arial" panose="020B0604020202020204" pitchFamily="34" charset="0"/>
+              </a:defRPr>
+            </a:lvl4pPr>
+            <a:lvl5pPr marL="1828800" eaLnBrk="0" fontAlgn="base" hangingPunct="0">
+              <a:spcBef>
+                <a:spcPct val="0"/>
+              </a:spcBef>
+              <a:spcAft>
+                <a:spcPct val="0"/>
+              </a:spcAft>
+              <a:defRPr>
+                <a:solidFill>
+                  <a:schemeClr val="tx1"/>
+                </a:solidFill>
+                <a:latin typeface="Arial" panose="020B0604020202020204" pitchFamily="34" charset="0"/>
+              </a:defRPr>
+            </a:lvl5pPr>
+            <a:lvl6pPr marL="2286000" eaLnBrk="0" fontAlgn="base" hangingPunct="0">
+              <a:spcBef>
+                <a:spcPct val="0"/>
+              </a:spcBef>
+              <a:spcAft>
+                <a:spcPct val="0"/>
+              </a:spcAft>
+              <a:defRPr>
+                <a:solidFill>
+                  <a:schemeClr val="tx1"/>
+                </a:solidFill>
+                <a:latin typeface="Arial" panose="020B0604020202020204" pitchFamily="34" charset="0"/>
+              </a:defRPr>
+            </a:lvl6pPr>
+            <a:lvl7pPr marL="2743200" eaLnBrk="0" fontAlgn="base" hangingPunct="0">
+              <a:spcBef>
+                <a:spcPct val="0"/>
+              </a:spcBef>
+              <a:spcAft>
+                <a:spcPct val="0"/>
+              </a:spcAft>
+              <a:defRPr>
+                <a:solidFill>
+                  <a:schemeClr val="tx1"/>
+                </a:solidFill>
+                <a:latin typeface="Arial" panose="020B0604020202020204" pitchFamily="34" charset="0"/>
+              </a:defRPr>
+            </a:lvl7pPr>
+            <a:lvl8pPr marL="3200400" eaLnBrk="0" fontAlgn="base" hangingPunct="0">
+              <a:spcBef>
+                <a:spcPct val="0"/>
+              </a:spcBef>
+              <a:spcAft>
+                <a:spcPct val="0"/>
+              </a:spcAft>
+              <a:defRPr>
+                <a:solidFill>
+                  <a:schemeClr val="tx1"/>
+                </a:solidFill>
+                <a:latin typeface="Arial" panose="020B0604020202020204" pitchFamily="34" charset="0"/>
+              </a:defRPr>
+            </a:lvl8pPr>
+            <a:lvl9pPr marL="3657600" eaLnBrk="0" fontAlgn="base" hangingPunct="0">
+              <a:spcBef>
+                <a:spcPct val="0"/>
+              </a:spcBef>
+              <a:spcAft>
+                <a:spcPct val="0"/>
+              </a:spcAft>
+              <a:defRPr>
+                <a:solidFill>
+                  <a:schemeClr val="tx1"/>
+                </a:solidFill>
+                <a:latin typeface="Arial" panose="020B0604020202020204" pitchFamily="34" charset="0"/>
+              </a:defRPr>
+            </a:lvl9pPr>
+          </a:lstStyle>
           <a:p>
-            <a:pPr marL="0" lvl="0" indent="0" algn="l" rtl="0">
-              <a:lnSpc>
-                <a:spcPct val="100000"/>
-              </a:lnSpc>
-              <a:spcBef>
-                <a:spcPts val="0"/>
-              </a:spcBef>
-              <a:spcAft>
-                <a:spcPts val="0"/>
-              </a:spcAft>
-              <a:buSzPts val="2800"/>
-              <a:buNone/>
+            <a:pPr marL="0" marR="0" lvl="0" indent="0" algn="l" defTabSz="914400" rtl="0" eaLnBrk="0" fontAlgn="base" latinLnBrk="0" hangingPunct="0">
+              <a:lnSpc>
+                <a:spcPct val="100000"/>
+              </a:lnSpc>
+              <a:spcBef>
+                <a:spcPct val="0"/>
+              </a:spcBef>
+              <a:spcAft>
+                <a:spcPct val="0"/>
+              </a:spcAft>
+              <a:buClrTx/>
+              <a:buSzTx/>
+              <a:buFontTx/>
+              <a:buNone/>
+              <a:tabLst/>
+            </a:pPr>
+            <a:endParaRPr kumimoji="0" lang="en-US" altLang="en-US" sz="1800" b="0" i="0" u="none" strike="noStrike" cap="none" normalizeH="0" baseline="0" dirty="0">
+              <a:ln>
+                <a:noFill/>
+              </a:ln>
+              <a:solidFill>
+                <a:srgbClr val="000000"/>
+              </a:solidFill>
+              <a:effectLst/>
+              <a:latin typeface="Söhne"/>
+            </a:endParaRPr>
+          </a:p>
+          <a:p>
+            <a:pPr marL="0" marR="0" lvl="0" indent="0" algn="l" defTabSz="914400" rtl="0" eaLnBrk="0" fontAlgn="base" latinLnBrk="0" hangingPunct="0">
+              <a:lnSpc>
+                <a:spcPct val="100000"/>
+              </a:lnSpc>
+              <a:spcBef>
+                <a:spcPct val="0"/>
+              </a:spcBef>
+              <a:spcAft>
+                <a:spcPct val="0"/>
+              </a:spcAft>
+              <a:buClrTx/>
+              <a:buSzTx/>
+              <a:buFontTx/>
+              <a:buAutoNum type="arabicPeriod"/>
+              <a:tabLst/>
             </a:pPr>
             <a:r>
-              <a:rPr lang="en" sz="3600"/>
-              <a:t>Thank You</a:t>
+              <a:rPr kumimoji="0" lang="en-US" altLang="en-US" sz="1800" b="0" i="0" u="none" strike="noStrike" cap="none" normalizeH="0" baseline="0" dirty="0">
+                <a:ln>
+                  <a:noFill/>
+                </a:ln>
+                <a:solidFill>
+                  <a:srgbClr val="000000"/>
+                </a:solidFill>
+                <a:effectLst/>
+                <a:latin typeface="Söhne"/>
+              </a:rPr>
+              <a:t>Precision farming: Smart agriculture uses precision farming techniques that enable </a:t>
             </a:r>
-            <a:endParaRPr sz="3600"/>
+          </a:p>
+          <a:p>
+            <a:pPr marL="0" marR="0" lvl="0" indent="0" algn="l" defTabSz="914400" rtl="0" eaLnBrk="0" fontAlgn="base" latinLnBrk="0" hangingPunct="0">
+              <a:lnSpc>
+                <a:spcPct val="100000"/>
+              </a:lnSpc>
+              <a:spcBef>
+                <a:spcPct val="0"/>
+              </a:spcBef>
+              <a:spcAft>
+                <a:spcPct val="0"/>
+              </a:spcAft>
+              <a:buClrTx/>
+              <a:buSzTx/>
+              <a:tabLst/>
+            </a:pPr>
+            <a:r>
+              <a:rPr lang="en-US" altLang="en-US" sz="1800" dirty="0">
+                <a:solidFill>
+                  <a:srgbClr val="000000"/>
+                </a:solidFill>
+                <a:latin typeface="Söhne"/>
+              </a:rPr>
+              <a:t>	</a:t>
+            </a:r>
+            <a:r>
+              <a:rPr kumimoji="0" lang="en-US" altLang="en-US" sz="1800" b="0" i="0" u="none" strike="noStrike" cap="none" normalizeH="0" baseline="0" dirty="0">
+                <a:ln>
+                  <a:noFill/>
+                </a:ln>
+                <a:solidFill>
+                  <a:srgbClr val="000000"/>
+                </a:solidFill>
+                <a:effectLst/>
+                <a:latin typeface="Söhne"/>
+              </a:rPr>
+              <a:t>farmers to monitor and manage crops with more accuracy, thereby increasing </a:t>
+            </a:r>
+          </a:p>
+          <a:p>
+            <a:pPr marL="0" marR="0" lvl="0" indent="0" algn="l" defTabSz="914400" rtl="0" eaLnBrk="0" fontAlgn="base" latinLnBrk="0" hangingPunct="0">
+              <a:lnSpc>
+                <a:spcPct val="100000"/>
+              </a:lnSpc>
+              <a:spcBef>
+                <a:spcPct val="0"/>
+              </a:spcBef>
+              <a:spcAft>
+                <a:spcPct val="0"/>
+              </a:spcAft>
+              <a:buClrTx/>
+              <a:buSzTx/>
+              <a:tabLst/>
+            </a:pPr>
+            <a:r>
+              <a:rPr lang="en-US" altLang="en-US" sz="1800" dirty="0">
+                <a:solidFill>
+                  <a:srgbClr val="000000"/>
+                </a:solidFill>
+                <a:latin typeface="Söhne"/>
+              </a:rPr>
+              <a:t>	</a:t>
+            </a:r>
+            <a:r>
+              <a:rPr kumimoji="0" lang="en-US" altLang="en-US" sz="1800" b="0" i="0" u="none" strike="noStrike" cap="none" normalizeH="0" baseline="0" dirty="0">
+                <a:ln>
+                  <a:noFill/>
+                </a:ln>
+                <a:solidFill>
+                  <a:srgbClr val="000000"/>
+                </a:solidFill>
+                <a:effectLst/>
+                <a:latin typeface="Söhne"/>
+              </a:rPr>
+              <a:t>yield and reducing waste.</a:t>
+            </a:r>
+          </a:p>
+          <a:p>
+            <a:pPr marL="0" marR="0" lvl="0" indent="0" algn="l" defTabSz="914400" rtl="0" eaLnBrk="0" fontAlgn="base" latinLnBrk="0" hangingPunct="0">
+              <a:lnSpc>
+                <a:spcPct val="100000"/>
+              </a:lnSpc>
+              <a:spcBef>
+                <a:spcPct val="0"/>
+              </a:spcBef>
+              <a:spcAft>
+                <a:spcPct val="0"/>
+              </a:spcAft>
+              <a:buClrTx/>
+              <a:buSzTx/>
+              <a:buFontTx/>
+              <a:buAutoNum type="arabicPeriod" startAt="2"/>
+              <a:tabLst/>
+            </a:pPr>
+            <a:r>
+              <a:rPr kumimoji="0" lang="en-US" altLang="en-US" sz="1800" b="0" i="0" u="none" strike="noStrike" cap="none" normalizeH="0" baseline="0" dirty="0">
+                <a:ln>
+                  <a:noFill/>
+                </a:ln>
+                <a:solidFill>
+                  <a:srgbClr val="000000"/>
+                </a:solidFill>
+                <a:effectLst/>
+                <a:latin typeface="Söhne"/>
+              </a:rPr>
+              <a:t>Data-driven decision making: Smart agriculture relies on data collection and analysis to </a:t>
+            </a:r>
+          </a:p>
+          <a:p>
+            <a:pPr lvl="1">
+              <a:buClrTx/>
+            </a:pPr>
+            <a:r>
+              <a:rPr kumimoji="0" lang="en-US" altLang="en-US" sz="1800" b="0" i="0" u="none" strike="noStrike" cap="none" normalizeH="0" baseline="0" dirty="0">
+                <a:ln>
+                  <a:noFill/>
+                </a:ln>
+                <a:solidFill>
+                  <a:srgbClr val="000000"/>
+                </a:solidFill>
+                <a:effectLst/>
+                <a:latin typeface="Söhne"/>
+              </a:rPr>
+              <a:t>inform decision making. This can lead to more efficient use of resources, better crop </a:t>
+            </a:r>
+          </a:p>
+          <a:p>
+            <a:pPr lvl="1">
+              <a:buClrTx/>
+            </a:pPr>
+            <a:r>
+              <a:rPr kumimoji="0" lang="en-US" altLang="en-US" sz="1800" b="0" i="0" u="none" strike="noStrike" cap="none" normalizeH="0" baseline="0" dirty="0">
+                <a:ln>
+                  <a:noFill/>
+                </a:ln>
+                <a:solidFill>
+                  <a:srgbClr val="000000"/>
+                </a:solidFill>
+                <a:effectLst/>
+                <a:latin typeface="Söhne"/>
+              </a:rPr>
+              <a:t>management, and increased profitability.</a:t>
+            </a:r>
+          </a:p>
+          <a:p>
+            <a:pPr marL="0" marR="0" lvl="0" indent="0" algn="l" defTabSz="914400" rtl="0" eaLnBrk="0" fontAlgn="base" latinLnBrk="0" hangingPunct="0">
+              <a:lnSpc>
+                <a:spcPct val="100000"/>
+              </a:lnSpc>
+              <a:spcBef>
+                <a:spcPct val="0"/>
+              </a:spcBef>
+              <a:spcAft>
+                <a:spcPct val="0"/>
+              </a:spcAft>
+              <a:buClrTx/>
+              <a:buSzTx/>
+              <a:buFontTx/>
+              <a:buAutoNum type="arabicPeriod" startAt="3"/>
+              <a:tabLst/>
+            </a:pPr>
+            <a:r>
+              <a:rPr kumimoji="0" lang="en-US" altLang="en-US" sz="1800" b="0" i="0" u="none" strike="noStrike" cap="none" normalizeH="0" baseline="0" dirty="0">
+                <a:ln>
+                  <a:noFill/>
+                </a:ln>
+                <a:solidFill>
+                  <a:srgbClr val="000000"/>
+                </a:solidFill>
+                <a:effectLst/>
+                <a:latin typeface="Söhne"/>
+              </a:rPr>
+              <a:t>Remote monitoring: Smart agriculture allows farmers to monitor crops and livestock</a:t>
+            </a:r>
+          </a:p>
+          <a:p>
+            <a:pPr lvl="1">
+              <a:buClrTx/>
+            </a:pPr>
+            <a:r>
+              <a:rPr kumimoji="0" lang="en-US" altLang="en-US" sz="1800" b="0" i="0" u="none" strike="noStrike" cap="none" normalizeH="0" baseline="0" dirty="0">
+                <a:ln>
+                  <a:noFill/>
+                </a:ln>
+                <a:solidFill>
+                  <a:srgbClr val="000000"/>
+                </a:solidFill>
+                <a:effectLst/>
+                <a:latin typeface="Söhne"/>
+              </a:rPr>
+              <a:t> remotely using sensors and other IoT devices. This reduces the need for physical </a:t>
+            </a:r>
+          </a:p>
+          <a:p>
+            <a:pPr lvl="1">
+              <a:buClrTx/>
+            </a:pPr>
+            <a:r>
+              <a:rPr kumimoji="0" lang="en-US" altLang="en-US" sz="1800" b="0" i="0" u="none" strike="noStrike" cap="none" normalizeH="0" baseline="0" dirty="0">
+                <a:ln>
+                  <a:noFill/>
+                </a:ln>
+                <a:solidFill>
+                  <a:srgbClr val="000000"/>
+                </a:solidFill>
+                <a:effectLst/>
+                <a:latin typeface="Söhne"/>
+              </a:rPr>
+              <a:t>inspections, which saves time and resources.</a:t>
+            </a:r>
+          </a:p>
+          <a:p>
+            <a:pPr marL="0" marR="0" lvl="0" indent="0" algn="l" defTabSz="914400" rtl="0" eaLnBrk="0" fontAlgn="base" latinLnBrk="0" hangingPunct="0">
+              <a:lnSpc>
+                <a:spcPct val="100000"/>
+              </a:lnSpc>
+              <a:spcBef>
+                <a:spcPct val="0"/>
+              </a:spcBef>
+              <a:spcAft>
+                <a:spcPct val="0"/>
+              </a:spcAft>
+              <a:buClrTx/>
+              <a:buSzTx/>
+              <a:buFontTx/>
+              <a:buAutoNum type="arabicPeriod" startAt="4"/>
+              <a:tabLst/>
+            </a:pPr>
+            <a:r>
+              <a:rPr kumimoji="0" lang="en-US" altLang="en-US" sz="1800" b="0" i="0" u="none" strike="noStrike" cap="none" normalizeH="0" baseline="0" dirty="0">
+                <a:ln>
+                  <a:noFill/>
+                </a:ln>
+                <a:solidFill>
+                  <a:srgbClr val="000000"/>
+                </a:solidFill>
+                <a:effectLst/>
+                <a:latin typeface="Söhne"/>
+              </a:rPr>
+              <a:t>Automation: Smart agriculture uses automation technologies such as robotics and </a:t>
+            </a:r>
+          </a:p>
+          <a:p>
+            <a:pPr lvl="1">
+              <a:buClrTx/>
+            </a:pPr>
+            <a:r>
+              <a:rPr kumimoji="0" lang="en-US" altLang="en-US" sz="1800" b="0" i="0" u="none" strike="noStrike" cap="none" normalizeH="0" baseline="0" dirty="0">
+                <a:ln>
+                  <a:noFill/>
+                </a:ln>
+                <a:solidFill>
+                  <a:srgbClr val="000000"/>
+                </a:solidFill>
+                <a:effectLst/>
+                <a:latin typeface="Söhne"/>
+              </a:rPr>
+              <a:t>drones to perform tasks like planting, harvesting, and monitoring crops. </a:t>
+            </a:r>
+          </a:p>
+          <a:p>
+            <a:pPr lvl="1">
+              <a:buClrTx/>
+            </a:pPr>
+            <a:r>
+              <a:rPr kumimoji="0" lang="en-US" altLang="en-US" sz="1800" b="0" i="0" u="none" strike="noStrike" cap="none" normalizeH="0" baseline="0" dirty="0">
+                <a:ln>
+                  <a:noFill/>
+                </a:ln>
+                <a:solidFill>
+                  <a:srgbClr val="000000"/>
+                </a:solidFill>
+                <a:effectLst/>
+                <a:latin typeface="Söhne"/>
+              </a:rPr>
+              <a:t>This increases efficiency and reduces labor costs.</a:t>
+            </a:r>
+          </a:p>
+          <a:p>
+            <a:pPr marL="0" marR="0" lvl="0" indent="0" algn="l" defTabSz="914400" rtl="0" eaLnBrk="0" fontAlgn="base" latinLnBrk="0" hangingPunct="0">
+              <a:lnSpc>
+                <a:spcPct val="100000"/>
+              </a:lnSpc>
+              <a:spcBef>
+                <a:spcPct val="0"/>
+              </a:spcBef>
+              <a:spcAft>
+                <a:spcPct val="0"/>
+              </a:spcAft>
+              <a:buClrTx/>
+              <a:buSzTx/>
+              <a:buFontTx/>
+              <a:buAutoNum type="arabicPeriod" startAt="5"/>
+              <a:tabLst/>
+            </a:pPr>
+            <a:r>
+              <a:rPr kumimoji="0" lang="en-US" altLang="en-US" sz="1800" b="0" i="0" u="none" strike="noStrike" cap="none" normalizeH="0" baseline="0" dirty="0">
+                <a:ln>
+                  <a:noFill/>
+                </a:ln>
+                <a:solidFill>
+                  <a:srgbClr val="000000"/>
+                </a:solidFill>
+                <a:effectLst/>
+                <a:latin typeface="Söhne"/>
+              </a:rPr>
+              <a:t>Sustainable practices: Smart agriculture incorporates sustainable farming </a:t>
+            </a:r>
+          </a:p>
+          <a:p>
+            <a:pPr marL="0" marR="0" lvl="0" indent="0" algn="l" defTabSz="914400" rtl="0" eaLnBrk="0" fontAlgn="base" latinLnBrk="0" hangingPunct="0">
+              <a:lnSpc>
+                <a:spcPct val="100000"/>
+              </a:lnSpc>
+              <a:spcBef>
+                <a:spcPct val="0"/>
+              </a:spcBef>
+              <a:spcAft>
+                <a:spcPct val="0"/>
+              </a:spcAft>
+              <a:buClrTx/>
+              <a:buSzTx/>
+              <a:tabLst/>
+            </a:pPr>
+            <a:r>
+              <a:rPr lang="en-US" altLang="en-US" sz="1800" dirty="0">
+                <a:solidFill>
+                  <a:srgbClr val="000000"/>
+                </a:solidFill>
+                <a:latin typeface="Söhne"/>
+              </a:rPr>
+              <a:t>	</a:t>
+            </a:r>
+            <a:r>
+              <a:rPr kumimoji="0" lang="en-US" altLang="en-US" sz="1800" b="0" i="0" u="none" strike="noStrike" cap="none" normalizeH="0" baseline="0" dirty="0">
+                <a:ln>
+                  <a:noFill/>
+                </a:ln>
+                <a:solidFill>
+                  <a:srgbClr val="000000"/>
+                </a:solidFill>
+                <a:effectLst/>
+                <a:latin typeface="Söhne"/>
+              </a:rPr>
+              <a:t>practices that aim to reduce environmental impact and promote long-term </a:t>
+            </a:r>
+          </a:p>
+          <a:p>
+            <a:pPr marL="0" marR="0" lvl="0" indent="0" algn="l" defTabSz="914400" rtl="0" eaLnBrk="0" fontAlgn="base" latinLnBrk="0" hangingPunct="0">
+              <a:lnSpc>
+                <a:spcPct val="100000"/>
+              </a:lnSpc>
+              <a:spcBef>
+                <a:spcPct val="0"/>
+              </a:spcBef>
+              <a:spcAft>
+                <a:spcPct val="0"/>
+              </a:spcAft>
+              <a:buClrTx/>
+              <a:buSzTx/>
+              <a:tabLst/>
+            </a:pPr>
+            <a:r>
+              <a:rPr lang="en-US" altLang="en-US" sz="1800" dirty="0">
+                <a:solidFill>
+                  <a:srgbClr val="000000"/>
+                </a:solidFill>
+                <a:latin typeface="Söhne"/>
+              </a:rPr>
+              <a:t>	</a:t>
+            </a:r>
+            <a:r>
+              <a:rPr kumimoji="0" lang="en-US" altLang="en-US" sz="1800" b="0" i="0" u="none" strike="noStrike" cap="none" normalizeH="0" baseline="0" dirty="0">
+                <a:ln>
+                  <a:noFill/>
+                </a:ln>
+                <a:solidFill>
+                  <a:srgbClr val="000000"/>
+                </a:solidFill>
+                <a:effectLst/>
+                <a:latin typeface="Söhne"/>
+              </a:rPr>
+              <a:t>sustainability. This includes using natural fertilizers, conserving water, and </a:t>
+            </a:r>
+          </a:p>
+          <a:p>
+            <a:pPr marL="0" marR="0" lvl="0" indent="0" algn="l" defTabSz="914400" rtl="0" eaLnBrk="0" fontAlgn="base" latinLnBrk="0" hangingPunct="0">
+              <a:lnSpc>
+                <a:spcPct val="100000"/>
+              </a:lnSpc>
+              <a:spcBef>
+                <a:spcPct val="0"/>
+              </a:spcBef>
+              <a:spcAft>
+                <a:spcPct val="0"/>
+              </a:spcAft>
+              <a:buClrTx/>
+              <a:buSzTx/>
+              <a:tabLst/>
+            </a:pPr>
+            <a:r>
+              <a:rPr lang="en-US" altLang="en-US" sz="1800" dirty="0">
+                <a:solidFill>
+                  <a:srgbClr val="000000"/>
+                </a:solidFill>
+                <a:latin typeface="Söhne"/>
+              </a:rPr>
+              <a:t>	</a:t>
+            </a:r>
+            <a:r>
+              <a:rPr kumimoji="0" lang="en-US" altLang="en-US" sz="1800" b="0" i="0" u="none" strike="noStrike" cap="none" normalizeH="0" baseline="0" dirty="0">
+                <a:ln>
+                  <a:noFill/>
+                </a:ln>
+                <a:solidFill>
+                  <a:srgbClr val="000000"/>
+                </a:solidFill>
+                <a:effectLst/>
+                <a:latin typeface="Söhne"/>
+              </a:rPr>
+              <a:t>reducing greenhouse gas emissions.</a:t>
+            </a:r>
+          </a:p>
+          <a:p>
+            <a:pPr marL="0" marR="0" lvl="0" indent="0" algn="l" defTabSz="914400" rtl="0" eaLnBrk="0" fontAlgn="base" latinLnBrk="0" hangingPunct="0">
+              <a:lnSpc>
+                <a:spcPct val="100000"/>
+              </a:lnSpc>
+              <a:spcBef>
+                <a:spcPct val="0"/>
+              </a:spcBef>
+              <a:spcAft>
+                <a:spcPct val="0"/>
+              </a:spcAft>
+              <a:buClrTx/>
+              <a:buSzTx/>
+              <a:buFontTx/>
+              <a:buNone/>
+              <a:tabLst/>
+            </a:pPr>
+            <a:endParaRPr kumimoji="0" lang="en-US" altLang="en-US" sz="1800" b="0" i="0" u="none" strike="noStrike" cap="none" normalizeH="0" baseline="0" dirty="0">
+              <a:ln>
+                <a:noFill/>
+              </a:ln>
+              <a:solidFill>
+                <a:schemeClr val="tx1"/>
+              </a:solidFill>
+              <a:effectLst/>
+              <a:latin typeface="Arial" panose="020B0604020202020204" pitchFamily="34" charset="0"/>
+            </a:endParaRPr>
           </a:p>
         </p:txBody>
       </p:sp>
-      <p:sp>
-        <p:nvSpPr>
-          <p:cNvPr id="390" name="Google Shape;390;p9"/>
-          <p:cNvSpPr txBox="1">
-            <a:spLocks noGrp="1"/>
-          </p:cNvSpPr>
-          <p:nvPr>
-            <p:ph type="subTitle" idx="1"/>
-          </p:nvPr>
-        </p:nvSpPr>
-        <p:spPr>
-          <a:xfrm>
-            <a:off x="339712" y="2750625"/>
-            <a:ext cx="4559100" cy="377700"/>
-          </a:xfrm>
-          <a:prstGeom prst="rect">
-            <a:avLst/>
-          </a:prstGeom>
-          <a:noFill/>
-          <a:ln>
-            <a:noFill/>
-          </a:ln>
-        </p:spPr>
-        <p:txBody>
-          <a:bodyPr spcFirstLastPara="1" wrap="square" lIns="91425" tIns="91425" rIns="91425" bIns="91425" anchor="t" anchorCtr="0">
-            <a:noAutofit/>
-          </a:bodyPr>
-          <a:lstStyle/>
-          <a:p>
-            <a:pPr marL="0" lvl="0" indent="0" algn="l" rtl="0">
-              <a:lnSpc>
-                <a:spcPct val="150000"/>
-              </a:lnSpc>
-              <a:spcBef>
-                <a:spcPts val="0"/>
-              </a:spcBef>
-              <a:spcAft>
-                <a:spcPts val="1600"/>
-              </a:spcAft>
-              <a:buSzPts val="1800"/>
-              <a:buNone/>
-            </a:pPr>
-            <a:r>
-              <a:rPr lang="en" sz="1500" dirty="0"/>
-              <a:t>Jnaneshwar B.T.</a:t>
-            </a:r>
-            <a:endParaRPr sz="1500" dirty="0"/>
-          </a:p>
-        </p:txBody>
-      </p:sp>
-      <p:pic>
-        <p:nvPicPr>
-          <p:cNvPr id="3" name="Picture 4" descr="Icon&#10;&#10;Description automatically generated">
-            <a:extLst>
-              <a:ext uri="{FF2B5EF4-FFF2-40B4-BE49-F238E27FC236}">
-                <a16:creationId xmlns:a16="http://schemas.microsoft.com/office/drawing/2014/main" id="{F23B9EE8-1D10-8AD9-7EEC-E62C73116FA2}"/>
-              </a:ext>
-            </a:extLst>
-          </p:cNvPr>
-          <p:cNvPicPr>
-            <a:picLocks noChangeAspect="1"/>
-          </p:cNvPicPr>
-          <p:nvPr/>
-        </p:nvPicPr>
-        <p:blipFill>
-          <a:blip r:embed="rId3"/>
-          <a:stretch>
-            <a:fillRect/>
-          </a:stretch>
-        </p:blipFill>
-        <p:spPr>
-          <a:xfrm>
-            <a:off x="7789293" y="4744259"/>
-            <a:ext cx="1275272" cy="302464"/>
-          </a:xfrm>
-          <a:prstGeom prst="rect">
-            <a:avLst/>
-          </a:prstGeom>
-        </p:spPr>
-      </p:pic>
     </p:spTree>
   </p:cSld>
   <p:clrMapOvr>

--- a/Idea/Smart Agriculture.pptx
+++ b/Idea/Smart Agriculture.pptx
@@ -272,7 +272,7 @@
       <p15:sldGuideLst xmlns:p15="http://schemas.microsoft.com/office/powerpoint/2012/main"/>
     </p:ext>
     <p:ext uri="http://customooxmlschemas.google.com/">
-      <go:slidesCustomData xmlns="" xmlns:mc="http://schemas.openxmlformats.org/markup-compatibility/2006" xmlns:mv="urn:schemas-microsoft-com:mac:vml" xmlns:c="http://schemas.openxmlformats.org/drawingml/2006/chart" xmlns:dgm="http://schemas.openxmlformats.org/drawingml/2006/diagram" xmlns:o="urn:schemas-microsoft-com:office:office" xmlns:v="urn:schemas-microsoft-com:vml" xmlns:pvml="urn:schemas-microsoft-com:office:powerpoint" xmlns:com="http://schemas.openxmlformats.org/drawingml/2006/compatibility" xmlns:p14="http://schemas.microsoft.com/office/powerpoint/2010/main" xmlns:p15="http://schemas.microsoft.com/office/powerpoint/2012/main" xmlns:ahyp="http://schemas.microsoft.com/office/drawing/2018/hyperlinkcolor" xmlns:go="http://customooxmlschemas.google.com/" r:id="rId23" roundtripDataSignature="AMtx7mg4ID0MW+58A5oAZz0iuzSAYbU9/A=="/>
+      <go:slidesCustomData xmlns:go="http://customooxmlschemas.google.com/" xmlns:ahyp="http://schemas.microsoft.com/office/drawing/2018/hyperlinkcolor" xmlns:p15="http://schemas.microsoft.com/office/powerpoint/2012/main" xmlns:p14="http://schemas.microsoft.com/office/powerpoint/2010/main" xmlns:com="http://schemas.openxmlformats.org/drawingml/2006/compatibility" xmlns:pvml="urn:schemas-microsoft-com:office:powerpoint" xmlns:v="urn:schemas-microsoft-com:vml" xmlns:o="urn:schemas-microsoft-com:office:office" xmlns:dgm="http://schemas.openxmlformats.org/drawingml/2006/diagram" xmlns:c="http://schemas.openxmlformats.org/drawingml/2006/chart" xmlns:mv="urn:schemas-microsoft-com:mac:vml" xmlns:mc="http://schemas.openxmlformats.org/markup-compatibility/2006" xmlns="" r:id="rId23" roundtripDataSignature="AMtx7mg4ID0MW+58A5oAZz0iuzSAYbU9/A=="/>
     </p:ext>
   </p:extLst>
 </p:presentation>
@@ -36255,7 +36255,7 @@
         </p:nvSpPr>
         <p:spPr>
           <a:xfrm>
-            <a:off x="463639" y="708338"/>
+            <a:off x="2685244" y="2040350"/>
             <a:ext cx="4005330" cy="307777"/>
           </a:xfrm>
           <a:prstGeom prst="rect">
@@ -36298,7 +36298,7 @@
         </p:blipFill>
         <p:spPr>
           <a:xfrm>
-            <a:off x="656269" y="1139751"/>
+            <a:off x="196682" y="2698241"/>
             <a:ext cx="3709670" cy="2079967"/>
           </a:xfrm>
           <a:prstGeom prst="rect">
@@ -36328,7 +36328,7 @@
         </p:blipFill>
         <p:spPr>
           <a:xfrm>
-            <a:off x="4668591" y="1139751"/>
+            <a:off x="5422006" y="2525985"/>
             <a:ext cx="3120701" cy="1740810"/>
           </a:xfrm>
           <a:prstGeom prst="rect">
@@ -36358,7 +36358,7 @@
         </p:blipFill>
         <p:spPr>
           <a:xfrm>
-            <a:off x="701900" y="3052492"/>
+            <a:off x="4179751" y="2811536"/>
             <a:ext cx="1311436" cy="951257"/>
           </a:xfrm>
           <a:prstGeom prst="rect">
@@ -36366,6 +36366,41 @@
           </a:prstGeom>
         </p:spPr>
       </p:pic>
+      <p:sp>
+        <p:nvSpPr>
+          <p:cNvPr id="4" name="TextBox 3">
+            <a:extLst>
+              <a:ext uri="{FF2B5EF4-FFF2-40B4-BE49-F238E27FC236}">
+                <a16:creationId xmlns:a16="http://schemas.microsoft.com/office/drawing/2014/main" id="{009C35D1-1B7B-36E3-E44D-984CF991A0C5}"/>
+              </a:ext>
+            </a:extLst>
+          </p:cNvPr>
+          <p:cNvSpPr txBox="1"/>
+          <p:nvPr/>
+        </p:nvSpPr>
+        <p:spPr>
+          <a:xfrm>
+            <a:off x="534474" y="722816"/>
+            <a:ext cx="8429221" cy="307777"/>
+          </a:xfrm>
+          <a:prstGeom prst="rect">
+            <a:avLst/>
+          </a:prstGeom>
+          <a:noFill/>
+        </p:spPr>
+        <p:txBody>
+          <a:bodyPr wrap="square">
+            <a:spAutoFit/>
+          </a:bodyPr>
+          <a:lstStyle/>
+          <a:p>
+            <a:r>
+              <a:rPr lang="en-US" b="1" dirty="0"/>
+              <a:t>https://github.com/jbt1607/Sustainability-Hack/tree/main/Idea/sources/SmartAgriculture</a:t>
+            </a:r>
+          </a:p>
+        </p:txBody>
+      </p:sp>
     </p:spTree>
   </p:cSld>
   <p:clrMapOvr>

--- a/Idea/Smart Agriculture.pptx
+++ b/Idea/Smart Agriculture.pptx
@@ -272,7 +272,7 @@
       <p15:sldGuideLst xmlns:p15="http://schemas.microsoft.com/office/powerpoint/2012/main"/>
     </p:ext>
     <p:ext uri="http://customooxmlschemas.google.com/">
-      <go:slidesCustomData xmlns:go="http://customooxmlschemas.google.com/" xmlns:ahyp="http://schemas.microsoft.com/office/drawing/2018/hyperlinkcolor" xmlns:p15="http://schemas.microsoft.com/office/powerpoint/2012/main" xmlns:p14="http://schemas.microsoft.com/office/powerpoint/2010/main" xmlns:com="http://schemas.openxmlformats.org/drawingml/2006/compatibility" xmlns:pvml="urn:schemas-microsoft-com:office:powerpoint" xmlns:v="urn:schemas-microsoft-com:vml" xmlns:o="urn:schemas-microsoft-com:office:office" xmlns:dgm="http://schemas.openxmlformats.org/drawingml/2006/diagram" xmlns:c="http://schemas.openxmlformats.org/drawingml/2006/chart" xmlns:mv="urn:schemas-microsoft-com:mac:vml" xmlns:mc="http://schemas.openxmlformats.org/markup-compatibility/2006" xmlns="" r:id="rId23" roundtripDataSignature="AMtx7mg4ID0MW+58A5oAZz0iuzSAYbU9/A=="/>
+      <go:slidesCustomData xmlns="" xmlns:mc="http://schemas.openxmlformats.org/markup-compatibility/2006" xmlns:mv="urn:schemas-microsoft-com:mac:vml" xmlns:c="http://schemas.openxmlformats.org/drawingml/2006/chart" xmlns:dgm="http://schemas.openxmlformats.org/drawingml/2006/diagram" xmlns:o="urn:schemas-microsoft-com:office:office" xmlns:v="urn:schemas-microsoft-com:vml" xmlns:pvml="urn:schemas-microsoft-com:office:powerpoint" xmlns:com="http://schemas.openxmlformats.org/drawingml/2006/compatibility" xmlns:p14="http://schemas.microsoft.com/office/powerpoint/2010/main" xmlns:p15="http://schemas.microsoft.com/office/powerpoint/2012/main" xmlns:ahyp="http://schemas.microsoft.com/office/drawing/2018/hyperlinkcolor" xmlns:go="http://customooxmlschemas.google.com/" r:id="rId23" roundtripDataSignature="AMtx7mg4ID0MW+58A5oAZz0iuzSAYbU9/A=="/>
     </p:ext>
   </p:extLst>
 </p:presentation>
@@ -36255,8 +36255,8 @@
         </p:nvSpPr>
         <p:spPr>
           <a:xfrm>
-            <a:off x="2685244" y="2040350"/>
-            <a:ext cx="4005330" cy="307777"/>
+            <a:off x="2118574" y="1932629"/>
+            <a:ext cx="4005330" cy="523220"/>
           </a:xfrm>
           <a:prstGeom prst="rect">
             <a:avLst/>
@@ -36271,7 +36271,7 @@
           <a:p>
             <a:r>
               <a:rPr lang="en-US" dirty="0"/>
-              <a:t>Web based Device control panel for developer</a:t>
+              <a:t>Web based IoT Device(ESP32) Control panel &amp; Monitoring System</a:t>
             </a:r>
           </a:p>
         </p:txBody>
@@ -36358,7 +36358,7 @@
         </p:blipFill>
         <p:spPr>
           <a:xfrm>
-            <a:off x="4179751" y="2811536"/>
+            <a:off x="4008461" y="2571750"/>
             <a:ext cx="1311436" cy="951257"/>
           </a:xfrm>
           <a:prstGeom prst="rect">
@@ -36380,7 +36380,7 @@
         </p:nvSpPr>
         <p:spPr>
           <a:xfrm>
-            <a:off x="534474" y="722816"/>
+            <a:off x="701899" y="1177814"/>
             <a:ext cx="8429221" cy="307777"/>
           </a:xfrm>
           <a:prstGeom prst="rect">
@@ -36397,6 +36397,41 @@
             <a:r>
               <a:rPr lang="en-US" b="1" dirty="0"/>
               <a:t>https://github.com/jbt1607/Sustainability-Hack/tree/main/Idea/sources/SmartAgriculture</a:t>
+            </a:r>
+          </a:p>
+        </p:txBody>
+      </p:sp>
+      <p:sp>
+        <p:nvSpPr>
+          <p:cNvPr id="6" name="TextBox 5">
+            <a:extLst>
+              <a:ext uri="{FF2B5EF4-FFF2-40B4-BE49-F238E27FC236}">
+                <a16:creationId xmlns:a16="http://schemas.microsoft.com/office/drawing/2014/main" id="{22DFB2FE-5415-F3C9-776C-2D6ED24A0926}"/>
+              </a:ext>
+            </a:extLst>
+          </p:cNvPr>
+          <p:cNvSpPr txBox="1"/>
+          <p:nvPr/>
+        </p:nvSpPr>
+        <p:spPr>
+          <a:xfrm>
+            <a:off x="701899" y="771925"/>
+            <a:ext cx="4636394" cy="307777"/>
+          </a:xfrm>
+          <a:prstGeom prst="rect">
+            <a:avLst/>
+          </a:prstGeom>
+          <a:noFill/>
+        </p:spPr>
+        <p:txBody>
+          <a:bodyPr wrap="square">
+            <a:spAutoFit/>
+          </a:bodyPr>
+          <a:lstStyle/>
+          <a:p>
+            <a:r>
+              <a:rPr lang="en-US" dirty="0"/>
+              <a:t>https://github.com/jbt1607/Sustainability-Hack.git</a:t>
             </a:r>
           </a:p>
         </p:txBody>
